--- a/doc/docker-install.pptx
+++ b/doc/docker-install.pptx
@@ -6,6 +6,7 @@
   </p:sldMasterIdLst>
   <p:sldIdLst>
     <p:sldId id="256" r:id="rId2"/>
+    <p:sldId id="257" r:id="rId3"/>
   </p:sldIdLst>
   <p:sldSz cx="12192000" cy="6858000"/>
   <p:notesSz cx="6858000" cy="9144000"/>
@@ -259,7 +260,7 @@
           <a:p>
             <a:fld id="{AEFE9539-696D-45F5-88D0-010738406F6A}" type="datetimeFigureOut">
               <a:rPr lang="zh-CN" altLang="en-US" smtClean="0"/>
-              <a:t>2019/10/9</a:t>
+              <a:t>2019/10/18</a:t>
             </a:fld>
             <a:endParaRPr lang="zh-CN" altLang="en-US"/>
           </a:p>
@@ -457,7 +458,7 @@
           <a:p>
             <a:fld id="{AEFE9539-696D-45F5-88D0-010738406F6A}" type="datetimeFigureOut">
               <a:rPr lang="zh-CN" altLang="en-US" smtClean="0"/>
-              <a:t>2019/10/9</a:t>
+              <a:t>2019/10/18</a:t>
             </a:fld>
             <a:endParaRPr lang="zh-CN" altLang="en-US"/>
           </a:p>
@@ -665,7 +666,7 @@
           <a:p>
             <a:fld id="{AEFE9539-696D-45F5-88D0-010738406F6A}" type="datetimeFigureOut">
               <a:rPr lang="zh-CN" altLang="en-US" smtClean="0"/>
-              <a:t>2019/10/9</a:t>
+              <a:t>2019/10/18</a:t>
             </a:fld>
             <a:endParaRPr lang="zh-CN" altLang="en-US"/>
           </a:p>
@@ -863,7 +864,7 @@
           <a:p>
             <a:fld id="{AEFE9539-696D-45F5-88D0-010738406F6A}" type="datetimeFigureOut">
               <a:rPr lang="zh-CN" altLang="en-US" smtClean="0"/>
-              <a:t>2019/10/9</a:t>
+              <a:t>2019/10/18</a:t>
             </a:fld>
             <a:endParaRPr lang="zh-CN" altLang="en-US"/>
           </a:p>
@@ -1138,7 +1139,7 @@
           <a:p>
             <a:fld id="{AEFE9539-696D-45F5-88D0-010738406F6A}" type="datetimeFigureOut">
               <a:rPr lang="zh-CN" altLang="en-US" smtClean="0"/>
-              <a:t>2019/10/9</a:t>
+              <a:t>2019/10/18</a:t>
             </a:fld>
             <a:endParaRPr lang="zh-CN" altLang="en-US"/>
           </a:p>
@@ -1403,7 +1404,7 @@
           <a:p>
             <a:fld id="{AEFE9539-696D-45F5-88D0-010738406F6A}" type="datetimeFigureOut">
               <a:rPr lang="zh-CN" altLang="en-US" smtClean="0"/>
-              <a:t>2019/10/9</a:t>
+              <a:t>2019/10/18</a:t>
             </a:fld>
             <a:endParaRPr lang="zh-CN" altLang="en-US"/>
           </a:p>
@@ -1815,7 +1816,7 @@
           <a:p>
             <a:fld id="{AEFE9539-696D-45F5-88D0-010738406F6A}" type="datetimeFigureOut">
               <a:rPr lang="zh-CN" altLang="en-US" smtClean="0"/>
-              <a:t>2019/10/9</a:t>
+              <a:t>2019/10/18</a:t>
             </a:fld>
             <a:endParaRPr lang="zh-CN" altLang="en-US"/>
           </a:p>
@@ -1956,7 +1957,7 @@
           <a:p>
             <a:fld id="{AEFE9539-696D-45F5-88D0-010738406F6A}" type="datetimeFigureOut">
               <a:rPr lang="zh-CN" altLang="en-US" smtClean="0"/>
-              <a:t>2019/10/9</a:t>
+              <a:t>2019/10/18</a:t>
             </a:fld>
             <a:endParaRPr lang="zh-CN" altLang="en-US"/>
           </a:p>
@@ -2069,7 +2070,7 @@
           <a:p>
             <a:fld id="{AEFE9539-696D-45F5-88D0-010738406F6A}" type="datetimeFigureOut">
               <a:rPr lang="zh-CN" altLang="en-US" smtClean="0"/>
-              <a:t>2019/10/9</a:t>
+              <a:t>2019/10/18</a:t>
             </a:fld>
             <a:endParaRPr lang="zh-CN" altLang="en-US"/>
           </a:p>
@@ -2380,7 +2381,7 @@
           <a:p>
             <a:fld id="{AEFE9539-696D-45F5-88D0-010738406F6A}" type="datetimeFigureOut">
               <a:rPr lang="zh-CN" altLang="en-US" smtClean="0"/>
-              <a:t>2019/10/9</a:t>
+              <a:t>2019/10/18</a:t>
             </a:fld>
             <a:endParaRPr lang="zh-CN" altLang="en-US"/>
           </a:p>
@@ -2668,7 +2669,7 @@
           <a:p>
             <a:fld id="{AEFE9539-696D-45F5-88D0-010738406F6A}" type="datetimeFigureOut">
               <a:rPr lang="zh-CN" altLang="en-US" smtClean="0"/>
-              <a:t>2019/10/9</a:t>
+              <a:t>2019/10/18</a:t>
             </a:fld>
             <a:endParaRPr lang="zh-CN" altLang="en-US"/>
           </a:p>
@@ -2909,7 +2910,7 @@
           <a:p>
             <a:fld id="{AEFE9539-696D-45F5-88D0-010738406F6A}" type="datetimeFigureOut">
               <a:rPr lang="zh-CN" altLang="en-US" smtClean="0"/>
-              <a:t>2019/10/9</a:t>
+              <a:t>2019/10/18</a:t>
             </a:fld>
             <a:endParaRPr lang="zh-CN" altLang="en-US"/>
           </a:p>
@@ -6074,6 +6075,4358 @@
 </p:sld>
 </file>
 
+<file path=ppt/slides/slide2.xml><?xml version="1.0" encoding="utf-8"?>
+<p:sld xmlns:a="http://schemas.openxmlformats.org/drawingml/2006/main" xmlns:r="http://schemas.openxmlformats.org/officeDocument/2006/relationships" xmlns:p="http://schemas.openxmlformats.org/presentationml/2006/main">
+  <p:cSld>
+    <p:spTree>
+      <p:nvGrpSpPr>
+        <p:cNvPr id="1" name=""/>
+        <p:cNvGrpSpPr/>
+        <p:nvPr/>
+      </p:nvGrpSpPr>
+      <p:grpSpPr>
+        <a:xfrm>
+          <a:off x="0" y="0"/>
+          <a:ext cx="0" cy="0"/>
+          <a:chOff x="0" y="0"/>
+          <a:chExt cx="0" cy="0"/>
+        </a:xfrm>
+      </p:grpSpPr>
+      <p:sp>
+        <p:nvSpPr>
+          <p:cNvPr id="5" name="矩形 4">
+            <a:extLst>
+              <a:ext uri="{FF2B5EF4-FFF2-40B4-BE49-F238E27FC236}">
+                <a16:creationId xmlns:a16="http://schemas.microsoft.com/office/drawing/2014/main" id="{FABB1470-A3BF-4CD1-A9FC-EEFCBA7CCEDF}"/>
+              </a:ext>
+            </a:extLst>
+          </p:cNvPr>
+          <p:cNvSpPr/>
+          <p:nvPr/>
+        </p:nvSpPr>
+        <p:spPr>
+          <a:xfrm>
+            <a:off x="3224468" y="177277"/>
+            <a:ext cx="6557176" cy="4693298"/>
+          </a:xfrm>
+          <a:prstGeom prst="rect">
+            <a:avLst/>
+          </a:prstGeom>
+          <a:ln>
+            <a:prstDash val="sysDash"/>
+          </a:ln>
+        </p:spPr>
+        <p:style>
+          <a:lnRef idx="2">
+            <a:schemeClr val="dk1"/>
+          </a:lnRef>
+          <a:fillRef idx="1">
+            <a:schemeClr val="lt1"/>
+          </a:fillRef>
+          <a:effectRef idx="0">
+            <a:schemeClr val="dk1"/>
+          </a:effectRef>
+          <a:fontRef idx="minor">
+            <a:schemeClr val="dk1"/>
+          </a:fontRef>
+        </p:style>
+        <p:txBody>
+          <a:bodyPr rtlCol="0" anchor="ctr"/>
+          <a:lstStyle/>
+          <a:p>
+            <a:pPr algn="ctr"/>
+            <a:endParaRPr lang="zh-CN" altLang="en-US" dirty="0"/>
+          </a:p>
+        </p:txBody>
+      </p:sp>
+      <p:sp>
+        <p:nvSpPr>
+          <p:cNvPr id="94" name="矩形 93">
+            <a:extLst>
+              <a:ext uri="{FF2B5EF4-FFF2-40B4-BE49-F238E27FC236}">
+                <a16:creationId xmlns:a16="http://schemas.microsoft.com/office/drawing/2014/main" id="{141C66CB-612A-4D46-BC3A-10E8A18C290F}"/>
+              </a:ext>
+            </a:extLst>
+          </p:cNvPr>
+          <p:cNvSpPr/>
+          <p:nvPr/>
+        </p:nvSpPr>
+        <p:spPr>
+          <a:xfrm>
+            <a:off x="7906608" y="271440"/>
+            <a:ext cx="1732692" cy="4445166"/>
+          </a:xfrm>
+          <a:prstGeom prst="rect">
+            <a:avLst/>
+          </a:prstGeom>
+          <a:solidFill>
+            <a:schemeClr val="accent3">
+              <a:lumMod val="20000"/>
+              <a:lumOff val="80000"/>
+            </a:schemeClr>
+          </a:solidFill>
+          <a:ln>
+            <a:prstDash val="sysDash"/>
+          </a:ln>
+        </p:spPr>
+        <p:style>
+          <a:lnRef idx="2">
+            <a:schemeClr val="dk1"/>
+          </a:lnRef>
+          <a:fillRef idx="1">
+            <a:schemeClr val="lt1"/>
+          </a:fillRef>
+          <a:effectRef idx="0">
+            <a:schemeClr val="dk1"/>
+          </a:effectRef>
+          <a:fontRef idx="minor">
+            <a:schemeClr val="dk1"/>
+          </a:fontRef>
+        </p:style>
+        <p:txBody>
+          <a:bodyPr rtlCol="0" anchor="ctr"/>
+          <a:lstStyle/>
+          <a:p>
+            <a:pPr algn="ctr"/>
+            <a:endParaRPr lang="zh-CN" altLang="en-US" sz="1100" dirty="0"/>
+          </a:p>
+        </p:txBody>
+      </p:sp>
+      <p:sp>
+        <p:nvSpPr>
+          <p:cNvPr id="66" name="矩形 65">
+            <a:extLst>
+              <a:ext uri="{FF2B5EF4-FFF2-40B4-BE49-F238E27FC236}">
+                <a16:creationId xmlns:a16="http://schemas.microsoft.com/office/drawing/2014/main" id="{ADEF05A5-9C51-4D9F-82AD-050C3B9CDF5C}"/>
+              </a:ext>
+            </a:extLst>
+          </p:cNvPr>
+          <p:cNvSpPr/>
+          <p:nvPr/>
+        </p:nvSpPr>
+        <p:spPr>
+          <a:xfrm>
+            <a:off x="5637265" y="280500"/>
+            <a:ext cx="2133935" cy="4445166"/>
+          </a:xfrm>
+          <a:prstGeom prst="rect">
+            <a:avLst/>
+          </a:prstGeom>
+          <a:solidFill>
+            <a:schemeClr val="accent3">
+              <a:lumMod val="20000"/>
+              <a:lumOff val="80000"/>
+            </a:schemeClr>
+          </a:solidFill>
+          <a:ln>
+            <a:prstDash val="sysDash"/>
+          </a:ln>
+        </p:spPr>
+        <p:style>
+          <a:lnRef idx="2">
+            <a:schemeClr val="dk1"/>
+          </a:lnRef>
+          <a:fillRef idx="1">
+            <a:schemeClr val="lt1"/>
+          </a:fillRef>
+          <a:effectRef idx="0">
+            <a:schemeClr val="dk1"/>
+          </a:effectRef>
+          <a:fontRef idx="minor">
+            <a:schemeClr val="dk1"/>
+          </a:fontRef>
+        </p:style>
+        <p:txBody>
+          <a:bodyPr rtlCol="0" anchor="ctr"/>
+          <a:lstStyle/>
+          <a:p>
+            <a:pPr algn="ctr"/>
+            <a:r>
+              <a:rPr lang="en-US" altLang="zh-CN" sz="1100" dirty="0"/>
+              <a:t>20280</a:t>
+            </a:r>
+            <a:endParaRPr lang="zh-CN" altLang="en-US" sz="1100" dirty="0"/>
+          </a:p>
+        </p:txBody>
+      </p:sp>
+      <p:sp>
+        <p:nvSpPr>
+          <p:cNvPr id="4" name="矩形 3">
+            <a:extLst>
+              <a:ext uri="{FF2B5EF4-FFF2-40B4-BE49-F238E27FC236}">
+                <a16:creationId xmlns:a16="http://schemas.microsoft.com/office/drawing/2014/main" id="{CADB1218-D4B8-4844-8D2B-9A0E2FA450CB}"/>
+              </a:ext>
+            </a:extLst>
+          </p:cNvPr>
+          <p:cNvSpPr/>
+          <p:nvPr/>
+        </p:nvSpPr>
+        <p:spPr>
+          <a:xfrm>
+            <a:off x="463744" y="1088486"/>
+            <a:ext cx="1545959" cy="3084830"/>
+          </a:xfrm>
+          <a:prstGeom prst="rect">
+            <a:avLst/>
+          </a:prstGeom>
+        </p:spPr>
+        <p:style>
+          <a:lnRef idx="2">
+            <a:schemeClr val="dk1"/>
+          </a:lnRef>
+          <a:fillRef idx="1">
+            <a:schemeClr val="lt1"/>
+          </a:fillRef>
+          <a:effectRef idx="0">
+            <a:schemeClr val="dk1"/>
+          </a:effectRef>
+          <a:fontRef idx="minor">
+            <a:schemeClr val="dk1"/>
+          </a:fontRef>
+        </p:style>
+        <p:txBody>
+          <a:bodyPr vert="horz" rtlCol="0" anchor="ctr"/>
+          <a:lstStyle/>
+          <a:p>
+            <a:pPr algn="ctr"/>
+            <a:r>
+              <a:rPr lang="en-US" altLang="zh-CN" dirty="0" err="1"/>
+              <a:t>nginx</a:t>
+            </a:r>
+            <a:endParaRPr lang="zh-CN" altLang="en-US" dirty="0"/>
+          </a:p>
+        </p:txBody>
+      </p:sp>
+      <p:sp>
+        <p:nvSpPr>
+          <p:cNvPr id="6" name="矩形: 圆角 5">
+            <a:extLst>
+              <a:ext uri="{FF2B5EF4-FFF2-40B4-BE49-F238E27FC236}">
+                <a16:creationId xmlns:a16="http://schemas.microsoft.com/office/drawing/2014/main" id="{126DE016-FB1F-4056-8133-FDE25BC4E16C}"/>
+              </a:ext>
+            </a:extLst>
+          </p:cNvPr>
+          <p:cNvSpPr/>
+          <p:nvPr/>
+        </p:nvSpPr>
+        <p:spPr>
+          <a:xfrm>
+            <a:off x="4037051" y="611233"/>
+            <a:ext cx="1280818" cy="681789"/>
+          </a:xfrm>
+          <a:prstGeom prst="roundRect">
+            <a:avLst/>
+          </a:prstGeom>
+        </p:spPr>
+        <p:style>
+          <a:lnRef idx="2">
+            <a:schemeClr val="dk1"/>
+          </a:lnRef>
+          <a:fillRef idx="1">
+            <a:schemeClr val="lt1"/>
+          </a:fillRef>
+          <a:effectRef idx="0">
+            <a:schemeClr val="dk1"/>
+          </a:effectRef>
+          <a:fontRef idx="minor">
+            <a:schemeClr val="dk1"/>
+          </a:fontRef>
+        </p:style>
+        <p:txBody>
+          <a:bodyPr rtlCol="0" anchor="ctr"/>
+          <a:lstStyle/>
+          <a:p>
+            <a:pPr algn="ctr"/>
+            <a:r>
+              <a:rPr lang="en-US" altLang="zh-CN" dirty="0"/>
+              <a:t>Tomcat</a:t>
+            </a:r>
+          </a:p>
+          <a:p>
+            <a:pPr algn="ctr"/>
+            <a:r>
+              <a:rPr lang="zh-CN" altLang="en-US" dirty="0"/>
+              <a:t>应用</a:t>
+            </a:r>
+            <a:r>
+              <a:rPr lang="en-US" altLang="zh-CN" dirty="0"/>
+              <a:t>1</a:t>
+            </a:r>
+          </a:p>
+        </p:txBody>
+      </p:sp>
+      <p:sp>
+        <p:nvSpPr>
+          <p:cNvPr id="7" name="矩形: 圆角 6">
+            <a:extLst>
+              <a:ext uri="{FF2B5EF4-FFF2-40B4-BE49-F238E27FC236}">
+                <a16:creationId xmlns:a16="http://schemas.microsoft.com/office/drawing/2014/main" id="{EE41365A-7EEB-408A-9772-D417144F57EE}"/>
+              </a:ext>
+            </a:extLst>
+          </p:cNvPr>
+          <p:cNvSpPr/>
+          <p:nvPr/>
+        </p:nvSpPr>
+        <p:spPr>
+          <a:xfrm>
+            <a:off x="4109241" y="1950749"/>
+            <a:ext cx="1280818" cy="681789"/>
+          </a:xfrm>
+          <a:prstGeom prst="roundRect">
+            <a:avLst/>
+          </a:prstGeom>
+        </p:spPr>
+        <p:style>
+          <a:lnRef idx="2">
+            <a:schemeClr val="dk1"/>
+          </a:lnRef>
+          <a:fillRef idx="1">
+            <a:schemeClr val="lt1"/>
+          </a:fillRef>
+          <a:effectRef idx="0">
+            <a:schemeClr val="dk1"/>
+          </a:effectRef>
+          <a:fontRef idx="minor">
+            <a:schemeClr val="dk1"/>
+          </a:fontRef>
+        </p:style>
+        <p:txBody>
+          <a:bodyPr rtlCol="0" anchor="ctr"/>
+          <a:lstStyle/>
+          <a:p>
+            <a:pPr algn="ctr"/>
+            <a:r>
+              <a:rPr lang="en-US" altLang="zh-CN" dirty="0"/>
+              <a:t>Tomcat</a:t>
+            </a:r>
+          </a:p>
+          <a:p>
+            <a:pPr algn="ctr"/>
+            <a:r>
+              <a:rPr lang="zh-CN" altLang="en-US" dirty="0"/>
+              <a:t>应用</a:t>
+            </a:r>
+            <a:r>
+              <a:rPr lang="en-US" altLang="zh-CN" dirty="0"/>
+              <a:t>2</a:t>
+            </a:r>
+          </a:p>
+        </p:txBody>
+      </p:sp>
+      <p:sp>
+        <p:nvSpPr>
+          <p:cNvPr id="8" name="矩形: 圆角 7">
+            <a:extLst>
+              <a:ext uri="{FF2B5EF4-FFF2-40B4-BE49-F238E27FC236}">
+                <a16:creationId xmlns:a16="http://schemas.microsoft.com/office/drawing/2014/main" id="{CB52ACC5-4A7B-4A87-AA87-6C6C491AD935}"/>
+              </a:ext>
+            </a:extLst>
+          </p:cNvPr>
+          <p:cNvSpPr/>
+          <p:nvPr/>
+        </p:nvSpPr>
+        <p:spPr>
+          <a:xfrm>
+            <a:off x="4109241" y="3423347"/>
+            <a:ext cx="1280818" cy="681789"/>
+          </a:xfrm>
+          <a:prstGeom prst="roundRect">
+            <a:avLst/>
+          </a:prstGeom>
+        </p:spPr>
+        <p:style>
+          <a:lnRef idx="2">
+            <a:schemeClr val="dk1"/>
+          </a:lnRef>
+          <a:fillRef idx="1">
+            <a:schemeClr val="lt1"/>
+          </a:fillRef>
+          <a:effectRef idx="0">
+            <a:schemeClr val="dk1"/>
+          </a:effectRef>
+          <a:fontRef idx="minor">
+            <a:schemeClr val="dk1"/>
+          </a:fontRef>
+        </p:style>
+        <p:txBody>
+          <a:bodyPr rtlCol="0" anchor="ctr"/>
+          <a:lstStyle/>
+          <a:p>
+            <a:pPr algn="ctr"/>
+            <a:r>
+              <a:rPr lang="en-US" altLang="zh-CN" dirty="0"/>
+              <a:t>Tomcat</a:t>
+            </a:r>
+          </a:p>
+          <a:p>
+            <a:pPr algn="ctr"/>
+            <a:r>
+              <a:rPr lang="zh-CN" altLang="en-US" dirty="0"/>
+              <a:t>应用</a:t>
+            </a:r>
+            <a:r>
+              <a:rPr lang="en-US" altLang="zh-CN" dirty="0"/>
+              <a:t>3</a:t>
+            </a:r>
+          </a:p>
+        </p:txBody>
+      </p:sp>
+      <p:sp>
+        <p:nvSpPr>
+          <p:cNvPr id="10" name="圆柱体 9">
+            <a:extLst>
+              <a:ext uri="{FF2B5EF4-FFF2-40B4-BE49-F238E27FC236}">
+                <a16:creationId xmlns:a16="http://schemas.microsoft.com/office/drawing/2014/main" id="{5D3B2A94-0C79-43AD-9589-326F872C58E9}"/>
+              </a:ext>
+            </a:extLst>
+          </p:cNvPr>
+          <p:cNvSpPr/>
+          <p:nvPr/>
+        </p:nvSpPr>
+        <p:spPr>
+          <a:xfrm>
+            <a:off x="6342076" y="374611"/>
+            <a:ext cx="1207168" cy="1155032"/>
+          </a:xfrm>
+          <a:prstGeom prst="can">
+            <a:avLst/>
+          </a:prstGeom>
+        </p:spPr>
+        <p:style>
+          <a:lnRef idx="2">
+            <a:schemeClr val="dk1"/>
+          </a:lnRef>
+          <a:fillRef idx="1">
+            <a:schemeClr val="lt1"/>
+          </a:fillRef>
+          <a:effectRef idx="0">
+            <a:schemeClr val="dk1"/>
+          </a:effectRef>
+          <a:fontRef idx="minor">
+            <a:schemeClr val="dk1"/>
+          </a:fontRef>
+        </p:style>
+        <p:txBody>
+          <a:bodyPr rtlCol="0" anchor="ctr"/>
+          <a:lstStyle/>
+          <a:p>
+            <a:pPr algn="ctr"/>
+            <a:r>
+              <a:rPr lang="en-US" altLang="zh-CN" dirty="0" err="1"/>
+              <a:t>Mysql</a:t>
+            </a:r>
+            <a:endParaRPr lang="zh-CN" altLang="en-US" dirty="0"/>
+          </a:p>
+        </p:txBody>
+      </p:sp>
+      <p:sp>
+        <p:nvSpPr>
+          <p:cNvPr id="11" name="圆柱体 10">
+            <a:extLst>
+              <a:ext uri="{FF2B5EF4-FFF2-40B4-BE49-F238E27FC236}">
+                <a16:creationId xmlns:a16="http://schemas.microsoft.com/office/drawing/2014/main" id="{74AEBEC5-14AE-4367-BA35-1C31C3F41E50}"/>
+              </a:ext>
+            </a:extLst>
+          </p:cNvPr>
+          <p:cNvSpPr/>
+          <p:nvPr/>
+        </p:nvSpPr>
+        <p:spPr>
+          <a:xfrm>
+            <a:off x="6342076" y="1950748"/>
+            <a:ext cx="1207168" cy="1155032"/>
+          </a:xfrm>
+          <a:prstGeom prst="can">
+            <a:avLst/>
+          </a:prstGeom>
+        </p:spPr>
+        <p:style>
+          <a:lnRef idx="2">
+            <a:schemeClr val="dk1"/>
+          </a:lnRef>
+          <a:fillRef idx="1">
+            <a:schemeClr val="lt1"/>
+          </a:fillRef>
+          <a:effectRef idx="0">
+            <a:schemeClr val="dk1"/>
+          </a:effectRef>
+          <a:fontRef idx="minor">
+            <a:schemeClr val="dk1"/>
+          </a:fontRef>
+        </p:style>
+        <p:txBody>
+          <a:bodyPr rtlCol="0" anchor="ctr"/>
+          <a:lstStyle/>
+          <a:p>
+            <a:pPr algn="ctr"/>
+            <a:r>
+              <a:rPr lang="en-US" altLang="zh-CN" dirty="0"/>
+              <a:t>Redis</a:t>
+            </a:r>
+            <a:endParaRPr lang="zh-CN" altLang="en-US" dirty="0"/>
+          </a:p>
+        </p:txBody>
+      </p:sp>
+      <p:sp>
+        <p:nvSpPr>
+          <p:cNvPr id="12" name="圆柱体 11">
+            <a:extLst>
+              <a:ext uri="{FF2B5EF4-FFF2-40B4-BE49-F238E27FC236}">
+                <a16:creationId xmlns:a16="http://schemas.microsoft.com/office/drawing/2014/main" id="{2763F1F7-F4D0-4B46-B01C-DA79E9CC8C8B}"/>
+              </a:ext>
+            </a:extLst>
+          </p:cNvPr>
+          <p:cNvSpPr/>
+          <p:nvPr/>
+        </p:nvSpPr>
+        <p:spPr>
+          <a:xfrm>
+            <a:off x="6342076" y="3503557"/>
+            <a:ext cx="1207168" cy="1155032"/>
+          </a:xfrm>
+          <a:prstGeom prst="can">
+            <a:avLst/>
+          </a:prstGeom>
+        </p:spPr>
+        <p:style>
+          <a:lnRef idx="2">
+            <a:schemeClr val="dk1"/>
+          </a:lnRef>
+          <a:fillRef idx="1">
+            <a:schemeClr val="lt1"/>
+          </a:fillRef>
+          <a:effectRef idx="0">
+            <a:schemeClr val="dk1"/>
+          </a:effectRef>
+          <a:fontRef idx="minor">
+            <a:schemeClr val="dk1"/>
+          </a:fontRef>
+        </p:style>
+        <p:txBody>
+          <a:bodyPr rtlCol="0" anchor="ctr"/>
+          <a:lstStyle/>
+          <a:p>
+            <a:pPr algn="ctr"/>
+            <a:r>
+              <a:rPr lang="en-US" altLang="zh-CN" dirty="0"/>
+              <a:t>RabbitMQ</a:t>
+            </a:r>
+            <a:endParaRPr lang="zh-CN" altLang="en-US" dirty="0"/>
+          </a:p>
+        </p:txBody>
+      </p:sp>
+      <p:sp>
+        <p:nvSpPr>
+          <p:cNvPr id="13" name="矩形: 圆角 12">
+            <a:extLst>
+              <a:ext uri="{FF2B5EF4-FFF2-40B4-BE49-F238E27FC236}">
+                <a16:creationId xmlns:a16="http://schemas.microsoft.com/office/drawing/2014/main" id="{B0835351-6716-4C07-B041-C035E009042B}"/>
+              </a:ext>
+            </a:extLst>
+          </p:cNvPr>
+          <p:cNvSpPr/>
+          <p:nvPr/>
+        </p:nvSpPr>
+        <p:spPr>
+          <a:xfrm>
+            <a:off x="6462391" y="4333001"/>
+            <a:ext cx="966538" cy="216568"/>
+          </a:xfrm>
+          <a:prstGeom prst="roundRect">
+            <a:avLst/>
+          </a:prstGeom>
+          <a:ln>
+            <a:prstDash val="dash"/>
+          </a:ln>
+        </p:spPr>
+        <p:style>
+          <a:lnRef idx="2">
+            <a:schemeClr val="accent1"/>
+          </a:lnRef>
+          <a:fillRef idx="1">
+            <a:schemeClr val="lt1"/>
+          </a:fillRef>
+          <a:effectRef idx="0">
+            <a:schemeClr val="accent1"/>
+          </a:effectRef>
+          <a:fontRef idx="minor">
+            <a:schemeClr val="dk1"/>
+          </a:fontRef>
+        </p:style>
+        <p:txBody>
+          <a:bodyPr rtlCol="0" anchor="ctr"/>
+          <a:lstStyle/>
+          <a:p>
+            <a:pPr algn="ctr"/>
+            <a:r>
+              <a:rPr lang="en-US" altLang="zh-CN" sz="1000" dirty="0"/>
+              <a:t>MQTT Plugin</a:t>
+            </a:r>
+          </a:p>
+        </p:txBody>
+      </p:sp>
+      <p:sp>
+        <p:nvSpPr>
+          <p:cNvPr id="2" name="云形 1">
+            <a:extLst>
+              <a:ext uri="{FF2B5EF4-FFF2-40B4-BE49-F238E27FC236}">
+                <a16:creationId xmlns:a16="http://schemas.microsoft.com/office/drawing/2014/main" id="{433CDE6F-5B0A-4761-A805-3AB7FF60D836}"/>
+              </a:ext>
+            </a:extLst>
+          </p:cNvPr>
+          <p:cNvSpPr/>
+          <p:nvPr/>
+        </p:nvSpPr>
+        <p:spPr>
+          <a:xfrm>
+            <a:off x="793079" y="46910"/>
+            <a:ext cx="914237" cy="302347"/>
+          </a:xfrm>
+          <a:prstGeom prst="cloud">
+            <a:avLst/>
+          </a:prstGeom>
+          <a:ln>
+            <a:prstDash val="dash"/>
+          </a:ln>
+        </p:spPr>
+        <p:style>
+          <a:lnRef idx="2">
+            <a:schemeClr val="dk1"/>
+          </a:lnRef>
+          <a:fillRef idx="1">
+            <a:schemeClr val="lt1"/>
+          </a:fillRef>
+          <a:effectRef idx="0">
+            <a:schemeClr val="dk1"/>
+          </a:effectRef>
+          <a:fontRef idx="minor">
+            <a:schemeClr val="dk1"/>
+          </a:fontRef>
+        </p:style>
+        <p:txBody>
+          <a:bodyPr rtlCol="0" anchor="ctr"/>
+          <a:lstStyle/>
+          <a:p>
+            <a:pPr algn="ctr"/>
+            <a:r>
+              <a:rPr lang="zh-CN" altLang="en-US" sz="1200" dirty="0"/>
+              <a:t>外网</a:t>
+            </a:r>
+          </a:p>
+        </p:txBody>
+      </p:sp>
+      <p:sp>
+        <p:nvSpPr>
+          <p:cNvPr id="3" name="矩形 2">
+            <a:extLst>
+              <a:ext uri="{FF2B5EF4-FFF2-40B4-BE49-F238E27FC236}">
+                <a16:creationId xmlns:a16="http://schemas.microsoft.com/office/drawing/2014/main" id="{602A00EE-57A6-46C6-A9E9-E04914DC5D7F}"/>
+              </a:ext>
+            </a:extLst>
+          </p:cNvPr>
+          <p:cNvSpPr/>
+          <p:nvPr/>
+        </p:nvSpPr>
+        <p:spPr>
+          <a:xfrm>
+            <a:off x="1296755" y="784094"/>
+            <a:ext cx="634481" cy="401216"/>
+          </a:xfrm>
+          <a:prstGeom prst="rect">
+            <a:avLst/>
+          </a:prstGeom>
+          <a:ln>
+            <a:prstDash val="sysDash"/>
+          </a:ln>
+        </p:spPr>
+        <p:style>
+          <a:lnRef idx="2">
+            <a:schemeClr val="dk1"/>
+          </a:lnRef>
+          <a:fillRef idx="1">
+            <a:schemeClr val="lt1"/>
+          </a:fillRef>
+          <a:effectRef idx="0">
+            <a:schemeClr val="dk1"/>
+          </a:effectRef>
+          <a:fontRef idx="minor">
+            <a:schemeClr val="dk1"/>
+          </a:fontRef>
+        </p:style>
+        <p:txBody>
+          <a:bodyPr rtlCol="0" anchor="ctr"/>
+          <a:lstStyle/>
+          <a:p>
+            <a:pPr algn="ctr"/>
+            <a:r>
+              <a:rPr lang="en-US" altLang="zh-CN" sz="1100" dirty="0"/>
+              <a:t>80</a:t>
+            </a:r>
+          </a:p>
+          <a:p>
+            <a:pPr algn="ctr"/>
+            <a:r>
+              <a:rPr lang="en-US" altLang="zh-CN" sz="1100" dirty="0"/>
+              <a:t>443</a:t>
+            </a:r>
+            <a:endParaRPr lang="zh-CN" altLang="en-US" sz="1100" dirty="0"/>
+          </a:p>
+        </p:txBody>
+      </p:sp>
+      <p:cxnSp>
+        <p:nvCxnSpPr>
+          <p:cNvPr id="14" name="直接箭头连接符 13">
+            <a:extLst>
+              <a:ext uri="{FF2B5EF4-FFF2-40B4-BE49-F238E27FC236}">
+                <a16:creationId xmlns:a16="http://schemas.microsoft.com/office/drawing/2014/main" id="{285540ED-9B20-4BAF-98AA-DB3D72516C14}"/>
+              </a:ext>
+            </a:extLst>
+          </p:cNvPr>
+          <p:cNvCxnSpPr>
+            <a:cxnSpLocks/>
+            <a:stCxn id="2" idx="1"/>
+            <a:endCxn id="3" idx="0"/>
+          </p:cNvCxnSpPr>
+          <p:nvPr/>
+        </p:nvCxnSpPr>
+        <p:spPr>
+          <a:xfrm>
+            <a:off x="1250198" y="348935"/>
+            <a:ext cx="363798" cy="435159"/>
+          </a:xfrm>
+          <a:prstGeom prst="straightConnector1">
+            <a:avLst/>
+          </a:prstGeom>
+          <a:ln>
+            <a:tailEnd type="triangle"/>
+          </a:ln>
+        </p:spPr>
+        <p:style>
+          <a:lnRef idx="1">
+            <a:schemeClr val="accent1"/>
+          </a:lnRef>
+          <a:fillRef idx="0">
+            <a:schemeClr val="accent1"/>
+          </a:fillRef>
+          <a:effectRef idx="0">
+            <a:schemeClr val="accent1"/>
+          </a:effectRef>
+          <a:fontRef idx="minor">
+            <a:schemeClr val="tx1"/>
+          </a:fontRef>
+        </p:style>
+      </p:cxnSp>
+      <p:sp>
+        <p:nvSpPr>
+          <p:cNvPr id="15" name="矩形 14">
+            <a:extLst>
+              <a:ext uri="{FF2B5EF4-FFF2-40B4-BE49-F238E27FC236}">
+                <a16:creationId xmlns:a16="http://schemas.microsoft.com/office/drawing/2014/main" id="{75E4E6E3-5212-46ED-8E8A-C2D4444347CA}"/>
+              </a:ext>
+            </a:extLst>
+          </p:cNvPr>
+          <p:cNvSpPr/>
+          <p:nvPr/>
+        </p:nvSpPr>
+        <p:spPr>
+          <a:xfrm>
+            <a:off x="3491790" y="784094"/>
+            <a:ext cx="634481" cy="401216"/>
+          </a:xfrm>
+          <a:prstGeom prst="rect">
+            <a:avLst/>
+          </a:prstGeom>
+          <a:ln>
+            <a:prstDash val="sysDash"/>
+          </a:ln>
+        </p:spPr>
+        <p:style>
+          <a:lnRef idx="2">
+            <a:schemeClr val="dk1"/>
+          </a:lnRef>
+          <a:fillRef idx="1">
+            <a:schemeClr val="lt1"/>
+          </a:fillRef>
+          <a:effectRef idx="0">
+            <a:schemeClr val="dk1"/>
+          </a:effectRef>
+          <a:fontRef idx="minor">
+            <a:schemeClr val="dk1"/>
+          </a:fontRef>
+        </p:style>
+        <p:txBody>
+          <a:bodyPr rtlCol="0" anchor="ctr"/>
+          <a:lstStyle/>
+          <a:p>
+            <a:pPr algn="ctr"/>
+            <a:r>
+              <a:rPr lang="en-US" altLang="zh-CN" sz="1100" dirty="0"/>
+              <a:t>8080</a:t>
+            </a:r>
+            <a:endParaRPr lang="zh-CN" altLang="en-US" sz="1100" dirty="0"/>
+          </a:p>
+        </p:txBody>
+      </p:sp>
+      <p:sp>
+        <p:nvSpPr>
+          <p:cNvPr id="16" name="矩形 15">
+            <a:extLst>
+              <a:ext uri="{FF2B5EF4-FFF2-40B4-BE49-F238E27FC236}">
+                <a16:creationId xmlns:a16="http://schemas.microsoft.com/office/drawing/2014/main" id="{CA1B995D-B2C8-4CF8-90A6-462A04C4BF93}"/>
+              </a:ext>
+            </a:extLst>
+          </p:cNvPr>
+          <p:cNvSpPr/>
+          <p:nvPr/>
+        </p:nvSpPr>
+        <p:spPr>
+          <a:xfrm>
+            <a:off x="3491790" y="2082768"/>
+            <a:ext cx="634481" cy="401216"/>
+          </a:xfrm>
+          <a:prstGeom prst="rect">
+            <a:avLst/>
+          </a:prstGeom>
+          <a:ln>
+            <a:prstDash val="sysDash"/>
+          </a:ln>
+        </p:spPr>
+        <p:style>
+          <a:lnRef idx="2">
+            <a:schemeClr val="dk1"/>
+          </a:lnRef>
+          <a:fillRef idx="1">
+            <a:schemeClr val="lt1"/>
+          </a:fillRef>
+          <a:effectRef idx="0">
+            <a:schemeClr val="dk1"/>
+          </a:effectRef>
+          <a:fontRef idx="minor">
+            <a:schemeClr val="dk1"/>
+          </a:fontRef>
+        </p:style>
+        <p:txBody>
+          <a:bodyPr rtlCol="0" anchor="ctr"/>
+          <a:lstStyle/>
+          <a:p>
+            <a:pPr algn="ctr"/>
+            <a:r>
+              <a:rPr lang="en-US" altLang="zh-CN" sz="1100" dirty="0"/>
+              <a:t>8080</a:t>
+            </a:r>
+            <a:endParaRPr lang="zh-CN" altLang="en-US" sz="1100" dirty="0"/>
+          </a:p>
+        </p:txBody>
+      </p:sp>
+      <p:sp>
+        <p:nvSpPr>
+          <p:cNvPr id="17" name="矩形 16">
+            <a:extLst>
+              <a:ext uri="{FF2B5EF4-FFF2-40B4-BE49-F238E27FC236}">
+                <a16:creationId xmlns:a16="http://schemas.microsoft.com/office/drawing/2014/main" id="{E2F50871-A76E-44C7-8BAA-7A97E5DC89FD}"/>
+              </a:ext>
+            </a:extLst>
+          </p:cNvPr>
+          <p:cNvSpPr/>
+          <p:nvPr/>
+        </p:nvSpPr>
+        <p:spPr>
+          <a:xfrm>
+            <a:off x="3522224" y="3563633"/>
+            <a:ext cx="634481" cy="401216"/>
+          </a:xfrm>
+          <a:prstGeom prst="rect">
+            <a:avLst/>
+          </a:prstGeom>
+          <a:ln>
+            <a:prstDash val="sysDash"/>
+          </a:ln>
+        </p:spPr>
+        <p:style>
+          <a:lnRef idx="2">
+            <a:schemeClr val="dk1"/>
+          </a:lnRef>
+          <a:fillRef idx="1">
+            <a:schemeClr val="lt1"/>
+          </a:fillRef>
+          <a:effectRef idx="0">
+            <a:schemeClr val="dk1"/>
+          </a:effectRef>
+          <a:fontRef idx="minor">
+            <a:schemeClr val="dk1"/>
+          </a:fontRef>
+        </p:style>
+        <p:txBody>
+          <a:bodyPr rtlCol="0" anchor="ctr"/>
+          <a:lstStyle/>
+          <a:p>
+            <a:pPr algn="ctr"/>
+            <a:r>
+              <a:rPr lang="en-US" altLang="zh-CN" sz="1100" dirty="0"/>
+              <a:t>8080</a:t>
+            </a:r>
+            <a:endParaRPr lang="zh-CN" altLang="en-US" sz="1100" dirty="0"/>
+          </a:p>
+        </p:txBody>
+      </p:sp>
+      <p:cxnSp>
+        <p:nvCxnSpPr>
+          <p:cNvPr id="18" name="直接箭头连接符 17">
+            <a:extLst>
+              <a:ext uri="{FF2B5EF4-FFF2-40B4-BE49-F238E27FC236}">
+                <a16:creationId xmlns:a16="http://schemas.microsoft.com/office/drawing/2014/main" id="{3F75BCA3-E313-49EB-91C4-7BEC4A970AF7}"/>
+              </a:ext>
+            </a:extLst>
+          </p:cNvPr>
+          <p:cNvCxnSpPr>
+            <a:cxnSpLocks/>
+            <a:stCxn id="4" idx="3"/>
+            <a:endCxn id="34" idx="1"/>
+          </p:cNvCxnSpPr>
+          <p:nvPr/>
+        </p:nvCxnSpPr>
+        <p:spPr>
+          <a:xfrm flipV="1">
+            <a:off x="2009703" y="1003119"/>
+            <a:ext cx="957660" cy="1627782"/>
+          </a:xfrm>
+          <a:prstGeom prst="straightConnector1">
+            <a:avLst/>
+          </a:prstGeom>
+          <a:ln>
+            <a:tailEnd type="triangle"/>
+          </a:ln>
+        </p:spPr>
+        <p:style>
+          <a:lnRef idx="1">
+            <a:schemeClr val="accent1"/>
+          </a:lnRef>
+          <a:fillRef idx="0">
+            <a:schemeClr val="accent1"/>
+          </a:fillRef>
+          <a:effectRef idx="0">
+            <a:schemeClr val="accent1"/>
+          </a:effectRef>
+          <a:fontRef idx="minor">
+            <a:schemeClr val="tx1"/>
+          </a:fontRef>
+        </p:style>
+      </p:cxnSp>
+      <p:sp>
+        <p:nvSpPr>
+          <p:cNvPr id="21" name="文本框 20">
+            <a:extLst>
+              <a:ext uri="{FF2B5EF4-FFF2-40B4-BE49-F238E27FC236}">
+                <a16:creationId xmlns:a16="http://schemas.microsoft.com/office/drawing/2014/main" id="{025EDFE0-1380-4690-B77C-058FD4229B27}"/>
+              </a:ext>
+            </a:extLst>
+          </p:cNvPr>
+          <p:cNvSpPr txBox="1"/>
+          <p:nvPr/>
+        </p:nvSpPr>
+        <p:spPr>
+          <a:xfrm>
+            <a:off x="2015947" y="1563568"/>
+            <a:ext cx="968535" cy="261610"/>
+          </a:xfrm>
+          <a:prstGeom prst="rect">
+            <a:avLst/>
+          </a:prstGeom>
+          <a:noFill/>
+        </p:spPr>
+        <p:txBody>
+          <a:bodyPr wrap="none" rtlCol="0">
+            <a:spAutoFit/>
+          </a:bodyPr>
+          <a:lstStyle/>
+          <a:p>
+            <a:r>
+              <a:rPr lang="en-US" altLang="zh-CN" sz="1100" dirty="0">
+                <a:solidFill>
+                  <a:schemeClr val="tx1">
+                    <a:lumMod val="50000"/>
+                    <a:lumOff val="50000"/>
+                  </a:schemeClr>
+                </a:solidFill>
+              </a:rPr>
+              <a:t>www.wx.com</a:t>
+            </a:r>
+            <a:endParaRPr lang="zh-CN" altLang="en-US" sz="1100" dirty="0">
+              <a:solidFill>
+                <a:schemeClr val="tx1">
+                  <a:lumMod val="50000"/>
+                  <a:lumOff val="50000"/>
+                </a:schemeClr>
+              </a:solidFill>
+            </a:endParaRPr>
+          </a:p>
+        </p:txBody>
+      </p:sp>
+      <p:cxnSp>
+        <p:nvCxnSpPr>
+          <p:cNvPr id="22" name="直接箭头连接符 21">
+            <a:extLst>
+              <a:ext uri="{FF2B5EF4-FFF2-40B4-BE49-F238E27FC236}">
+                <a16:creationId xmlns:a16="http://schemas.microsoft.com/office/drawing/2014/main" id="{763B0E37-B8E9-4C63-9A28-48FC7305E6DD}"/>
+              </a:ext>
+            </a:extLst>
+          </p:cNvPr>
+          <p:cNvCxnSpPr>
+            <a:cxnSpLocks/>
+            <a:stCxn id="4" idx="3"/>
+            <a:endCxn id="37" idx="1"/>
+          </p:cNvCxnSpPr>
+          <p:nvPr/>
+        </p:nvCxnSpPr>
+        <p:spPr>
+          <a:xfrm flipV="1">
+            <a:off x="2009703" y="2291643"/>
+            <a:ext cx="940628" cy="339258"/>
+          </a:xfrm>
+          <a:prstGeom prst="straightConnector1">
+            <a:avLst/>
+          </a:prstGeom>
+          <a:ln>
+            <a:tailEnd type="triangle"/>
+          </a:ln>
+        </p:spPr>
+        <p:style>
+          <a:lnRef idx="1">
+            <a:schemeClr val="accent1"/>
+          </a:lnRef>
+          <a:fillRef idx="0">
+            <a:schemeClr val="accent1"/>
+          </a:fillRef>
+          <a:effectRef idx="0">
+            <a:schemeClr val="accent1"/>
+          </a:effectRef>
+          <a:fontRef idx="minor">
+            <a:schemeClr val="tx1"/>
+          </a:fontRef>
+        </p:style>
+      </p:cxnSp>
+      <p:cxnSp>
+        <p:nvCxnSpPr>
+          <p:cNvPr id="25" name="直接箭头连接符 24">
+            <a:extLst>
+              <a:ext uri="{FF2B5EF4-FFF2-40B4-BE49-F238E27FC236}">
+                <a16:creationId xmlns:a16="http://schemas.microsoft.com/office/drawing/2014/main" id="{0BA03F7C-25EE-4255-8D82-2AE68D5D8274}"/>
+              </a:ext>
+            </a:extLst>
+          </p:cNvPr>
+          <p:cNvCxnSpPr>
+            <a:cxnSpLocks/>
+            <a:stCxn id="4" idx="3"/>
+            <a:endCxn id="40" idx="1"/>
+          </p:cNvCxnSpPr>
+          <p:nvPr/>
+        </p:nvCxnSpPr>
+        <p:spPr>
+          <a:xfrm>
+            <a:off x="2009703" y="2630901"/>
+            <a:ext cx="922857" cy="1143361"/>
+          </a:xfrm>
+          <a:prstGeom prst="straightConnector1">
+            <a:avLst/>
+          </a:prstGeom>
+          <a:ln>
+            <a:tailEnd type="triangle"/>
+          </a:ln>
+        </p:spPr>
+        <p:style>
+          <a:lnRef idx="1">
+            <a:schemeClr val="accent1"/>
+          </a:lnRef>
+          <a:fillRef idx="0">
+            <a:schemeClr val="accent1"/>
+          </a:fillRef>
+          <a:effectRef idx="0">
+            <a:schemeClr val="accent1"/>
+          </a:effectRef>
+          <a:fontRef idx="minor">
+            <a:schemeClr val="tx1"/>
+          </a:fontRef>
+        </p:style>
+      </p:cxnSp>
+      <p:sp>
+        <p:nvSpPr>
+          <p:cNvPr id="28" name="文本框 27">
+            <a:extLst>
+              <a:ext uri="{FF2B5EF4-FFF2-40B4-BE49-F238E27FC236}">
+                <a16:creationId xmlns:a16="http://schemas.microsoft.com/office/drawing/2014/main" id="{6CB3CBAB-315E-42A3-A231-62EB5892A24D}"/>
+              </a:ext>
+            </a:extLst>
+          </p:cNvPr>
+          <p:cNvSpPr txBox="1"/>
+          <p:nvPr/>
+        </p:nvSpPr>
+        <p:spPr>
+          <a:xfrm>
+            <a:off x="1995975" y="2376542"/>
+            <a:ext cx="979755" cy="261610"/>
+          </a:xfrm>
+          <a:prstGeom prst="rect">
+            <a:avLst/>
+          </a:prstGeom>
+          <a:noFill/>
+        </p:spPr>
+        <p:txBody>
+          <a:bodyPr wrap="none" rtlCol="0">
+            <a:spAutoFit/>
+          </a:bodyPr>
+          <a:lstStyle/>
+          <a:p>
+            <a:r>
+              <a:rPr lang="en-US" altLang="zh-CN" sz="1100" dirty="0">
+                <a:solidFill>
+                  <a:schemeClr val="tx1">
+                    <a:lumMod val="50000"/>
+                    <a:lumOff val="50000"/>
+                  </a:schemeClr>
+                </a:solidFill>
+              </a:rPr>
+              <a:t>www.hz.com</a:t>
+            </a:r>
+            <a:endParaRPr lang="zh-CN" altLang="en-US" sz="1100" dirty="0">
+              <a:solidFill>
+                <a:schemeClr val="tx1">
+                  <a:lumMod val="50000"/>
+                  <a:lumOff val="50000"/>
+                </a:schemeClr>
+              </a:solidFill>
+            </a:endParaRPr>
+          </a:p>
+        </p:txBody>
+      </p:sp>
+      <p:sp>
+        <p:nvSpPr>
+          <p:cNvPr id="29" name="文本框 28">
+            <a:extLst>
+              <a:ext uri="{FF2B5EF4-FFF2-40B4-BE49-F238E27FC236}">
+                <a16:creationId xmlns:a16="http://schemas.microsoft.com/office/drawing/2014/main" id="{5C888F87-58B9-4186-BFD7-D15EAF67260A}"/>
+              </a:ext>
+            </a:extLst>
+          </p:cNvPr>
+          <p:cNvSpPr txBox="1"/>
+          <p:nvPr/>
+        </p:nvSpPr>
+        <p:spPr>
+          <a:xfrm>
+            <a:off x="1979145" y="3222739"/>
+            <a:ext cx="915635" cy="261610"/>
+          </a:xfrm>
+          <a:prstGeom prst="rect">
+            <a:avLst/>
+          </a:prstGeom>
+          <a:noFill/>
+        </p:spPr>
+        <p:txBody>
+          <a:bodyPr wrap="none" rtlCol="0">
+            <a:spAutoFit/>
+          </a:bodyPr>
+          <a:lstStyle/>
+          <a:p>
+            <a:r>
+              <a:rPr lang="en-US" altLang="zh-CN" sz="1100" dirty="0">
+                <a:solidFill>
+                  <a:schemeClr val="tx1">
+                    <a:lumMod val="50000"/>
+                    <a:lumOff val="50000"/>
+                  </a:schemeClr>
+                </a:solidFill>
+              </a:rPr>
+              <a:t>www.tc.com</a:t>
+            </a:r>
+            <a:endParaRPr lang="zh-CN" altLang="en-US" sz="1100" dirty="0">
+              <a:solidFill>
+                <a:schemeClr val="tx1">
+                  <a:lumMod val="50000"/>
+                  <a:lumOff val="50000"/>
+                </a:schemeClr>
+              </a:solidFill>
+            </a:endParaRPr>
+          </a:p>
+        </p:txBody>
+      </p:sp>
+      <p:sp>
+        <p:nvSpPr>
+          <p:cNvPr id="34" name="矩形 33">
+            <a:extLst>
+              <a:ext uri="{FF2B5EF4-FFF2-40B4-BE49-F238E27FC236}">
+                <a16:creationId xmlns:a16="http://schemas.microsoft.com/office/drawing/2014/main" id="{A1900955-F6DE-4E6A-BC94-CC2038A22312}"/>
+              </a:ext>
+            </a:extLst>
+          </p:cNvPr>
+          <p:cNvSpPr/>
+          <p:nvPr/>
+        </p:nvSpPr>
+        <p:spPr>
+          <a:xfrm>
+            <a:off x="2967363" y="876378"/>
+            <a:ext cx="634482" cy="253481"/>
+          </a:xfrm>
+          <a:prstGeom prst="rect">
+            <a:avLst/>
+          </a:prstGeom>
+          <a:ln>
+            <a:prstDash val="sysDash"/>
+          </a:ln>
+        </p:spPr>
+        <p:style>
+          <a:lnRef idx="2">
+            <a:schemeClr val="dk1"/>
+          </a:lnRef>
+          <a:fillRef idx="1">
+            <a:schemeClr val="lt1"/>
+          </a:fillRef>
+          <a:effectRef idx="0">
+            <a:schemeClr val="dk1"/>
+          </a:effectRef>
+          <a:fontRef idx="minor">
+            <a:schemeClr val="dk1"/>
+          </a:fontRef>
+        </p:style>
+        <p:txBody>
+          <a:bodyPr rtlCol="0" anchor="ctr"/>
+          <a:lstStyle/>
+          <a:p>
+            <a:pPr algn="ctr"/>
+            <a:r>
+              <a:rPr lang="en-US" altLang="zh-CN" sz="1100" dirty="0"/>
+              <a:t>20180</a:t>
+            </a:r>
+            <a:endParaRPr lang="zh-CN" altLang="en-US" sz="1100" dirty="0"/>
+          </a:p>
+        </p:txBody>
+      </p:sp>
+      <p:sp>
+        <p:nvSpPr>
+          <p:cNvPr id="37" name="矩形 36">
+            <a:extLst>
+              <a:ext uri="{FF2B5EF4-FFF2-40B4-BE49-F238E27FC236}">
+                <a16:creationId xmlns:a16="http://schemas.microsoft.com/office/drawing/2014/main" id="{7F712EAF-F108-499F-A401-1888EF4DED3E}"/>
+              </a:ext>
+            </a:extLst>
+          </p:cNvPr>
+          <p:cNvSpPr/>
+          <p:nvPr/>
+        </p:nvSpPr>
+        <p:spPr>
+          <a:xfrm>
+            <a:off x="2950331" y="2164902"/>
+            <a:ext cx="634482" cy="253481"/>
+          </a:xfrm>
+          <a:prstGeom prst="rect">
+            <a:avLst/>
+          </a:prstGeom>
+          <a:ln>
+            <a:prstDash val="sysDash"/>
+          </a:ln>
+        </p:spPr>
+        <p:style>
+          <a:lnRef idx="2">
+            <a:schemeClr val="dk1"/>
+          </a:lnRef>
+          <a:fillRef idx="1">
+            <a:schemeClr val="lt1"/>
+          </a:fillRef>
+          <a:effectRef idx="0">
+            <a:schemeClr val="dk1"/>
+          </a:effectRef>
+          <a:fontRef idx="minor">
+            <a:schemeClr val="dk1"/>
+          </a:fontRef>
+        </p:style>
+        <p:txBody>
+          <a:bodyPr rtlCol="0" anchor="ctr"/>
+          <a:lstStyle/>
+          <a:p>
+            <a:pPr algn="ctr"/>
+            <a:r>
+              <a:rPr lang="en-US" altLang="zh-CN" sz="1100" dirty="0"/>
+              <a:t>20280</a:t>
+            </a:r>
+            <a:endParaRPr lang="zh-CN" altLang="en-US" sz="1100" dirty="0"/>
+          </a:p>
+        </p:txBody>
+      </p:sp>
+      <p:sp>
+        <p:nvSpPr>
+          <p:cNvPr id="40" name="矩形 39">
+            <a:extLst>
+              <a:ext uri="{FF2B5EF4-FFF2-40B4-BE49-F238E27FC236}">
+                <a16:creationId xmlns:a16="http://schemas.microsoft.com/office/drawing/2014/main" id="{6C48F76A-F0DA-4D3E-AB53-75CB2D773DB6}"/>
+              </a:ext>
+            </a:extLst>
+          </p:cNvPr>
+          <p:cNvSpPr/>
+          <p:nvPr/>
+        </p:nvSpPr>
+        <p:spPr>
+          <a:xfrm>
+            <a:off x="2932560" y="3647521"/>
+            <a:ext cx="634482" cy="253481"/>
+          </a:xfrm>
+          <a:prstGeom prst="rect">
+            <a:avLst/>
+          </a:prstGeom>
+          <a:ln>
+            <a:prstDash val="sysDash"/>
+          </a:ln>
+        </p:spPr>
+        <p:style>
+          <a:lnRef idx="2">
+            <a:schemeClr val="dk1"/>
+          </a:lnRef>
+          <a:fillRef idx="1">
+            <a:schemeClr val="lt1"/>
+          </a:fillRef>
+          <a:effectRef idx="0">
+            <a:schemeClr val="dk1"/>
+          </a:effectRef>
+          <a:fontRef idx="minor">
+            <a:schemeClr val="dk1"/>
+          </a:fontRef>
+        </p:style>
+        <p:txBody>
+          <a:bodyPr rtlCol="0" anchor="ctr"/>
+          <a:lstStyle/>
+          <a:p>
+            <a:pPr algn="ctr"/>
+            <a:r>
+              <a:rPr lang="en-US" altLang="zh-CN" sz="1100" dirty="0"/>
+              <a:t>20380</a:t>
+            </a:r>
+            <a:endParaRPr lang="zh-CN" altLang="en-US" sz="1100" dirty="0"/>
+          </a:p>
+        </p:txBody>
+      </p:sp>
+      <p:sp>
+        <p:nvSpPr>
+          <p:cNvPr id="42" name="矩形 41">
+            <a:extLst>
+              <a:ext uri="{FF2B5EF4-FFF2-40B4-BE49-F238E27FC236}">
+                <a16:creationId xmlns:a16="http://schemas.microsoft.com/office/drawing/2014/main" id="{9201DC8C-E1BD-4625-A8CF-D323C6EEC2A8}"/>
+              </a:ext>
+            </a:extLst>
+          </p:cNvPr>
+          <p:cNvSpPr/>
+          <p:nvPr/>
+        </p:nvSpPr>
+        <p:spPr>
+          <a:xfrm>
+            <a:off x="5896283" y="802510"/>
+            <a:ext cx="634481" cy="401216"/>
+          </a:xfrm>
+          <a:prstGeom prst="rect">
+            <a:avLst/>
+          </a:prstGeom>
+          <a:ln>
+            <a:prstDash val="sysDash"/>
+          </a:ln>
+        </p:spPr>
+        <p:style>
+          <a:lnRef idx="2">
+            <a:schemeClr val="dk1"/>
+          </a:lnRef>
+          <a:fillRef idx="1">
+            <a:schemeClr val="lt1"/>
+          </a:fillRef>
+          <a:effectRef idx="0">
+            <a:schemeClr val="dk1"/>
+          </a:effectRef>
+          <a:fontRef idx="minor">
+            <a:schemeClr val="dk1"/>
+          </a:fontRef>
+        </p:style>
+        <p:txBody>
+          <a:bodyPr rtlCol="0" anchor="ctr"/>
+          <a:lstStyle/>
+          <a:p>
+            <a:pPr algn="ctr"/>
+            <a:r>
+              <a:rPr lang="en-US" altLang="zh-CN" sz="1100" dirty="0"/>
+              <a:t>3506</a:t>
+            </a:r>
+            <a:endParaRPr lang="zh-CN" altLang="en-US" sz="1100" dirty="0"/>
+          </a:p>
+        </p:txBody>
+      </p:sp>
+      <p:cxnSp>
+        <p:nvCxnSpPr>
+          <p:cNvPr id="43" name="直接箭头连接符 42">
+            <a:extLst>
+              <a:ext uri="{FF2B5EF4-FFF2-40B4-BE49-F238E27FC236}">
+                <a16:creationId xmlns:a16="http://schemas.microsoft.com/office/drawing/2014/main" id="{CC7D608D-CB5E-47BB-B7A6-191C8707F065}"/>
+              </a:ext>
+            </a:extLst>
+          </p:cNvPr>
+          <p:cNvCxnSpPr>
+            <a:cxnSpLocks/>
+            <a:stCxn id="6" idx="3"/>
+            <a:endCxn id="66" idx="1"/>
+          </p:cNvCxnSpPr>
+          <p:nvPr/>
+        </p:nvCxnSpPr>
+        <p:spPr>
+          <a:xfrm>
+            <a:off x="5317869" y="952128"/>
+            <a:ext cx="319396" cy="1550955"/>
+          </a:xfrm>
+          <a:prstGeom prst="straightConnector1">
+            <a:avLst/>
+          </a:prstGeom>
+          <a:ln>
+            <a:tailEnd type="triangle"/>
+          </a:ln>
+        </p:spPr>
+        <p:style>
+          <a:lnRef idx="1">
+            <a:schemeClr val="accent1"/>
+          </a:lnRef>
+          <a:fillRef idx="0">
+            <a:schemeClr val="accent1"/>
+          </a:fillRef>
+          <a:effectRef idx="0">
+            <a:schemeClr val="accent1"/>
+          </a:effectRef>
+          <a:fontRef idx="minor">
+            <a:schemeClr val="tx1"/>
+          </a:fontRef>
+        </p:style>
+      </p:cxnSp>
+      <p:cxnSp>
+        <p:nvCxnSpPr>
+          <p:cNvPr id="47" name="直接箭头连接符 46">
+            <a:extLst>
+              <a:ext uri="{FF2B5EF4-FFF2-40B4-BE49-F238E27FC236}">
+                <a16:creationId xmlns:a16="http://schemas.microsoft.com/office/drawing/2014/main" id="{B6115B06-177A-451B-AC46-D16B299CD8B7}"/>
+              </a:ext>
+            </a:extLst>
+          </p:cNvPr>
+          <p:cNvCxnSpPr>
+            <a:cxnSpLocks/>
+            <a:stCxn id="7" idx="3"/>
+            <a:endCxn id="66" idx="1"/>
+          </p:cNvCxnSpPr>
+          <p:nvPr/>
+        </p:nvCxnSpPr>
+        <p:spPr>
+          <a:xfrm>
+            <a:off x="5390059" y="2291644"/>
+            <a:ext cx="247206" cy="211439"/>
+          </a:xfrm>
+          <a:prstGeom prst="straightConnector1">
+            <a:avLst/>
+          </a:prstGeom>
+          <a:ln>
+            <a:tailEnd type="triangle"/>
+          </a:ln>
+        </p:spPr>
+        <p:style>
+          <a:lnRef idx="1">
+            <a:schemeClr val="accent1"/>
+          </a:lnRef>
+          <a:fillRef idx="0">
+            <a:schemeClr val="accent1"/>
+          </a:fillRef>
+          <a:effectRef idx="0">
+            <a:schemeClr val="accent1"/>
+          </a:effectRef>
+          <a:fontRef idx="minor">
+            <a:schemeClr val="tx1"/>
+          </a:fontRef>
+        </p:style>
+      </p:cxnSp>
+      <p:cxnSp>
+        <p:nvCxnSpPr>
+          <p:cNvPr id="50" name="直接箭头连接符 49">
+            <a:extLst>
+              <a:ext uri="{FF2B5EF4-FFF2-40B4-BE49-F238E27FC236}">
+                <a16:creationId xmlns:a16="http://schemas.microsoft.com/office/drawing/2014/main" id="{B7AD1FB2-0A0E-4F66-B7E6-CC14BF031C45}"/>
+              </a:ext>
+            </a:extLst>
+          </p:cNvPr>
+          <p:cNvCxnSpPr>
+            <a:cxnSpLocks/>
+            <a:stCxn id="8" idx="3"/>
+            <a:endCxn id="66" idx="1"/>
+          </p:cNvCxnSpPr>
+          <p:nvPr/>
+        </p:nvCxnSpPr>
+        <p:spPr>
+          <a:xfrm flipV="1">
+            <a:off x="5390059" y="2503083"/>
+            <a:ext cx="247206" cy="1261159"/>
+          </a:xfrm>
+          <a:prstGeom prst="straightConnector1">
+            <a:avLst/>
+          </a:prstGeom>
+          <a:ln>
+            <a:tailEnd type="triangle"/>
+          </a:ln>
+        </p:spPr>
+        <p:style>
+          <a:lnRef idx="1">
+            <a:schemeClr val="accent1"/>
+          </a:lnRef>
+          <a:fillRef idx="0">
+            <a:schemeClr val="accent1"/>
+          </a:fillRef>
+          <a:effectRef idx="0">
+            <a:schemeClr val="accent1"/>
+          </a:effectRef>
+          <a:fontRef idx="minor">
+            <a:schemeClr val="tx1"/>
+          </a:fontRef>
+        </p:style>
+      </p:cxnSp>
+      <p:sp>
+        <p:nvSpPr>
+          <p:cNvPr id="55" name="矩形 54">
+            <a:extLst>
+              <a:ext uri="{FF2B5EF4-FFF2-40B4-BE49-F238E27FC236}">
+                <a16:creationId xmlns:a16="http://schemas.microsoft.com/office/drawing/2014/main" id="{ACD78705-E45D-4A2F-9701-E6B6029264CA}"/>
+              </a:ext>
+            </a:extLst>
+          </p:cNvPr>
+          <p:cNvSpPr/>
+          <p:nvPr/>
+        </p:nvSpPr>
+        <p:spPr>
+          <a:xfrm>
+            <a:off x="5748436" y="3742890"/>
+            <a:ext cx="634481" cy="395985"/>
+          </a:xfrm>
+          <a:prstGeom prst="rect">
+            <a:avLst/>
+          </a:prstGeom>
+          <a:ln>
+            <a:prstDash val="sysDash"/>
+          </a:ln>
+        </p:spPr>
+        <p:style>
+          <a:lnRef idx="2">
+            <a:schemeClr val="dk1"/>
+          </a:lnRef>
+          <a:fillRef idx="1">
+            <a:schemeClr val="lt1"/>
+          </a:fillRef>
+          <a:effectRef idx="0">
+            <a:schemeClr val="dk1"/>
+          </a:effectRef>
+          <a:fontRef idx="minor">
+            <a:schemeClr val="dk1"/>
+          </a:fontRef>
+        </p:style>
+        <p:txBody>
+          <a:bodyPr rtlCol="0" anchor="ctr"/>
+          <a:lstStyle/>
+          <a:p>
+            <a:pPr algn="ctr"/>
+            <a:r>
+              <a:rPr lang="en-US" altLang="zh-CN" sz="1100" dirty="0"/>
+              <a:t>4369</a:t>
+            </a:r>
+            <a:endParaRPr lang="zh-CN" altLang="en-US" sz="1100" dirty="0"/>
+          </a:p>
+        </p:txBody>
+      </p:sp>
+      <p:sp>
+        <p:nvSpPr>
+          <p:cNvPr id="56" name="矩形 55">
+            <a:extLst>
+              <a:ext uri="{FF2B5EF4-FFF2-40B4-BE49-F238E27FC236}">
+                <a16:creationId xmlns:a16="http://schemas.microsoft.com/office/drawing/2014/main" id="{54966DD8-B3CC-4F1E-9B58-184A5B14E069}"/>
+              </a:ext>
+            </a:extLst>
+          </p:cNvPr>
+          <p:cNvSpPr/>
+          <p:nvPr/>
+        </p:nvSpPr>
+        <p:spPr>
+          <a:xfrm>
+            <a:off x="5772673" y="2359572"/>
+            <a:ext cx="634481" cy="401216"/>
+          </a:xfrm>
+          <a:prstGeom prst="rect">
+            <a:avLst/>
+          </a:prstGeom>
+          <a:ln>
+            <a:prstDash val="sysDash"/>
+          </a:ln>
+        </p:spPr>
+        <p:style>
+          <a:lnRef idx="2">
+            <a:schemeClr val="dk1"/>
+          </a:lnRef>
+          <a:fillRef idx="1">
+            <a:schemeClr val="lt1"/>
+          </a:fillRef>
+          <a:effectRef idx="0">
+            <a:schemeClr val="dk1"/>
+          </a:effectRef>
+          <a:fontRef idx="minor">
+            <a:schemeClr val="dk1"/>
+          </a:fontRef>
+        </p:style>
+        <p:txBody>
+          <a:bodyPr rtlCol="0" anchor="ctr"/>
+          <a:lstStyle/>
+          <a:p>
+            <a:pPr algn="ctr"/>
+            <a:r>
+              <a:rPr lang="en-US" altLang="zh-CN" sz="1100" dirty="0"/>
+              <a:t>6379</a:t>
+            </a:r>
+            <a:endParaRPr lang="zh-CN" altLang="en-US" sz="1100" dirty="0"/>
+          </a:p>
+        </p:txBody>
+      </p:sp>
+      <p:sp>
+        <p:nvSpPr>
+          <p:cNvPr id="57" name="矩形 56">
+            <a:extLst>
+              <a:ext uri="{FF2B5EF4-FFF2-40B4-BE49-F238E27FC236}">
+                <a16:creationId xmlns:a16="http://schemas.microsoft.com/office/drawing/2014/main" id="{936661C4-0FAE-45CD-8BDD-B008BBB83149}"/>
+              </a:ext>
+            </a:extLst>
+          </p:cNvPr>
+          <p:cNvSpPr/>
+          <p:nvPr/>
+        </p:nvSpPr>
+        <p:spPr>
+          <a:xfrm>
+            <a:off x="5757504" y="4221365"/>
+            <a:ext cx="634481" cy="395985"/>
+          </a:xfrm>
+          <a:prstGeom prst="rect">
+            <a:avLst/>
+          </a:prstGeom>
+          <a:ln>
+            <a:prstDash val="sysDash"/>
+          </a:ln>
+        </p:spPr>
+        <p:style>
+          <a:lnRef idx="2">
+            <a:schemeClr val="dk1"/>
+          </a:lnRef>
+          <a:fillRef idx="1">
+            <a:schemeClr val="lt1"/>
+          </a:fillRef>
+          <a:effectRef idx="0">
+            <a:schemeClr val="dk1"/>
+          </a:effectRef>
+          <a:fontRef idx="minor">
+            <a:schemeClr val="dk1"/>
+          </a:fontRef>
+        </p:style>
+        <p:txBody>
+          <a:bodyPr rtlCol="0" anchor="ctr"/>
+          <a:lstStyle/>
+          <a:p>
+            <a:pPr algn="ctr"/>
+            <a:r>
+              <a:rPr lang="en-US" altLang="zh-CN" sz="1100" dirty="0"/>
+              <a:t>1883</a:t>
+            </a:r>
+          </a:p>
+          <a:p>
+            <a:pPr algn="ctr"/>
+            <a:r>
+              <a:rPr lang="en-US" altLang="zh-CN" sz="1100" dirty="0"/>
+              <a:t>8883</a:t>
+            </a:r>
+            <a:endParaRPr lang="zh-CN" altLang="en-US" sz="1100" dirty="0"/>
+          </a:p>
+        </p:txBody>
+      </p:sp>
+      <p:sp>
+        <p:nvSpPr>
+          <p:cNvPr id="59" name="矩形 58">
+            <a:extLst>
+              <a:ext uri="{FF2B5EF4-FFF2-40B4-BE49-F238E27FC236}">
+                <a16:creationId xmlns:a16="http://schemas.microsoft.com/office/drawing/2014/main" id="{082C747C-D6EE-4FD3-8028-38BB8019256A}"/>
+              </a:ext>
+            </a:extLst>
+          </p:cNvPr>
+          <p:cNvSpPr/>
+          <p:nvPr/>
+        </p:nvSpPr>
+        <p:spPr>
+          <a:xfrm>
+            <a:off x="2971951" y="4290971"/>
+            <a:ext cx="2806587" cy="253481"/>
+          </a:xfrm>
+          <a:prstGeom prst="rect">
+            <a:avLst/>
+          </a:prstGeom>
+          <a:ln>
+            <a:prstDash val="sysDash"/>
+          </a:ln>
+        </p:spPr>
+        <p:style>
+          <a:lnRef idx="2">
+            <a:schemeClr val="dk1"/>
+          </a:lnRef>
+          <a:fillRef idx="1">
+            <a:schemeClr val="lt1"/>
+          </a:fillRef>
+          <a:effectRef idx="0">
+            <a:schemeClr val="dk1"/>
+          </a:effectRef>
+          <a:fontRef idx="minor">
+            <a:schemeClr val="dk1"/>
+          </a:fontRef>
+        </p:style>
+        <p:txBody>
+          <a:bodyPr rtlCol="0" anchor="ctr"/>
+          <a:lstStyle/>
+          <a:p>
+            <a:r>
+              <a:rPr lang="en-US" altLang="zh-CN" sz="1100" dirty="0"/>
+              <a:t>31883</a:t>
+            </a:r>
+            <a:endParaRPr lang="zh-CN" altLang="en-US" sz="1100" dirty="0"/>
+          </a:p>
+        </p:txBody>
+      </p:sp>
+      <p:cxnSp>
+        <p:nvCxnSpPr>
+          <p:cNvPr id="60" name="直接箭头连接符 59">
+            <a:extLst>
+              <a:ext uri="{FF2B5EF4-FFF2-40B4-BE49-F238E27FC236}">
+                <a16:creationId xmlns:a16="http://schemas.microsoft.com/office/drawing/2014/main" id="{2D0B1302-565D-4B0E-AC64-A2DBDA26D734}"/>
+              </a:ext>
+            </a:extLst>
+          </p:cNvPr>
+          <p:cNvCxnSpPr>
+            <a:cxnSpLocks/>
+            <a:stCxn id="4" idx="3"/>
+            <a:endCxn id="59" idx="1"/>
+          </p:cNvCxnSpPr>
+          <p:nvPr/>
+        </p:nvCxnSpPr>
+        <p:spPr>
+          <a:xfrm>
+            <a:off x="2009703" y="2630901"/>
+            <a:ext cx="962248" cy="1786811"/>
+          </a:xfrm>
+          <a:prstGeom prst="straightConnector1">
+            <a:avLst/>
+          </a:prstGeom>
+          <a:ln>
+            <a:tailEnd type="triangle"/>
+          </a:ln>
+        </p:spPr>
+        <p:style>
+          <a:lnRef idx="1">
+            <a:schemeClr val="accent1"/>
+          </a:lnRef>
+          <a:fillRef idx="0">
+            <a:schemeClr val="accent1"/>
+          </a:fillRef>
+          <a:effectRef idx="0">
+            <a:schemeClr val="accent1"/>
+          </a:effectRef>
+          <a:fontRef idx="minor">
+            <a:schemeClr val="tx1"/>
+          </a:fontRef>
+        </p:style>
+      </p:cxnSp>
+      <p:sp>
+        <p:nvSpPr>
+          <p:cNvPr id="64" name="矩形 63">
+            <a:extLst>
+              <a:ext uri="{FF2B5EF4-FFF2-40B4-BE49-F238E27FC236}">
+                <a16:creationId xmlns:a16="http://schemas.microsoft.com/office/drawing/2014/main" id="{2F59BA16-31C8-4760-8021-A1E43D396A35}"/>
+              </a:ext>
+            </a:extLst>
+          </p:cNvPr>
+          <p:cNvSpPr/>
+          <p:nvPr/>
+        </p:nvSpPr>
+        <p:spPr>
+          <a:xfrm>
+            <a:off x="534825" y="797271"/>
+            <a:ext cx="634481" cy="401216"/>
+          </a:xfrm>
+          <a:prstGeom prst="rect">
+            <a:avLst/>
+          </a:prstGeom>
+          <a:ln>
+            <a:prstDash val="sysDash"/>
+          </a:ln>
+        </p:spPr>
+        <p:style>
+          <a:lnRef idx="2">
+            <a:schemeClr val="dk1"/>
+          </a:lnRef>
+          <a:fillRef idx="1">
+            <a:schemeClr val="lt1"/>
+          </a:fillRef>
+          <a:effectRef idx="0">
+            <a:schemeClr val="dk1"/>
+          </a:effectRef>
+          <a:fontRef idx="minor">
+            <a:schemeClr val="dk1"/>
+          </a:fontRef>
+        </p:style>
+        <p:txBody>
+          <a:bodyPr rtlCol="0" anchor="ctr"/>
+          <a:lstStyle/>
+          <a:p>
+            <a:pPr algn="ctr"/>
+            <a:r>
+              <a:rPr lang="en-US" altLang="zh-CN" sz="1100" dirty="0"/>
+              <a:t>8883</a:t>
+            </a:r>
+            <a:endParaRPr lang="zh-CN" altLang="en-US" sz="1100" dirty="0"/>
+          </a:p>
+        </p:txBody>
+      </p:sp>
+      <p:cxnSp>
+        <p:nvCxnSpPr>
+          <p:cNvPr id="65" name="直接箭头连接符 64">
+            <a:extLst>
+              <a:ext uri="{FF2B5EF4-FFF2-40B4-BE49-F238E27FC236}">
+                <a16:creationId xmlns:a16="http://schemas.microsoft.com/office/drawing/2014/main" id="{BB86F01F-A1EF-4880-907A-3CE881A2A736}"/>
+              </a:ext>
+            </a:extLst>
+          </p:cNvPr>
+          <p:cNvCxnSpPr>
+            <a:cxnSpLocks/>
+            <a:stCxn id="2" idx="1"/>
+            <a:endCxn id="64" idx="0"/>
+          </p:cNvCxnSpPr>
+          <p:nvPr/>
+        </p:nvCxnSpPr>
+        <p:spPr>
+          <a:xfrm flipH="1">
+            <a:off x="852066" y="348935"/>
+            <a:ext cx="398132" cy="448336"/>
+          </a:xfrm>
+          <a:prstGeom prst="straightConnector1">
+            <a:avLst/>
+          </a:prstGeom>
+          <a:ln>
+            <a:tailEnd type="triangle"/>
+          </a:ln>
+        </p:spPr>
+        <p:style>
+          <a:lnRef idx="1">
+            <a:schemeClr val="accent1"/>
+          </a:lnRef>
+          <a:fillRef idx="0">
+            <a:schemeClr val="accent1"/>
+          </a:fillRef>
+          <a:effectRef idx="0">
+            <a:schemeClr val="accent1"/>
+          </a:effectRef>
+          <a:fontRef idx="minor">
+            <a:schemeClr val="tx1"/>
+          </a:fontRef>
+        </p:style>
+      </p:cxnSp>
+      <p:sp>
+        <p:nvSpPr>
+          <p:cNvPr id="68" name="矩形 67">
+            <a:extLst>
+              <a:ext uri="{FF2B5EF4-FFF2-40B4-BE49-F238E27FC236}">
+                <a16:creationId xmlns:a16="http://schemas.microsoft.com/office/drawing/2014/main" id="{30FF1B7F-2B33-428A-9E8F-F96E967D8772}"/>
+              </a:ext>
+            </a:extLst>
+          </p:cNvPr>
+          <p:cNvSpPr/>
+          <p:nvPr/>
+        </p:nvSpPr>
+        <p:spPr>
+          <a:xfrm>
+            <a:off x="176463" y="5143780"/>
+            <a:ext cx="11855116" cy="1605516"/>
+          </a:xfrm>
+          <a:prstGeom prst="rect">
+            <a:avLst/>
+          </a:prstGeom>
+          <a:solidFill>
+            <a:schemeClr val="bg1">
+              <a:lumMod val="95000"/>
+            </a:schemeClr>
+          </a:solidFill>
+          <a:ln>
+            <a:solidFill>
+              <a:schemeClr val="bg1">
+                <a:lumMod val="85000"/>
+              </a:schemeClr>
+            </a:solidFill>
+            <a:prstDash val="dash"/>
+          </a:ln>
+        </p:spPr>
+        <p:style>
+          <a:lnRef idx="2">
+            <a:schemeClr val="accent1">
+              <a:shade val="50000"/>
+            </a:schemeClr>
+          </a:lnRef>
+          <a:fillRef idx="1">
+            <a:schemeClr val="accent1"/>
+          </a:fillRef>
+          <a:effectRef idx="0">
+            <a:schemeClr val="accent1"/>
+          </a:effectRef>
+          <a:fontRef idx="minor">
+            <a:schemeClr val="lt1"/>
+          </a:fontRef>
+        </p:style>
+        <p:txBody>
+          <a:bodyPr rtlCol="0" anchor="ctr"/>
+          <a:lstStyle/>
+          <a:p>
+            <a:pPr algn="ctr"/>
+            <a:endParaRPr lang="zh-CN" altLang="en-US"/>
+          </a:p>
+        </p:txBody>
+      </p:sp>
+      <p:sp>
+        <p:nvSpPr>
+          <p:cNvPr id="69" name="矩形 68">
+            <a:extLst>
+              <a:ext uri="{FF2B5EF4-FFF2-40B4-BE49-F238E27FC236}">
+                <a16:creationId xmlns:a16="http://schemas.microsoft.com/office/drawing/2014/main" id="{AB523D11-5051-4B0B-A4DB-84734BB4AD43}"/>
+              </a:ext>
+            </a:extLst>
+          </p:cNvPr>
+          <p:cNvSpPr/>
+          <p:nvPr/>
+        </p:nvSpPr>
+        <p:spPr>
+          <a:xfrm>
+            <a:off x="3264070" y="46987"/>
+            <a:ext cx="1545959" cy="285096"/>
+          </a:xfrm>
+          <a:prstGeom prst="rect">
+            <a:avLst/>
+          </a:prstGeom>
+          <a:solidFill>
+            <a:schemeClr val="accent5">
+              <a:lumMod val="20000"/>
+              <a:lumOff val="80000"/>
+            </a:schemeClr>
+          </a:solidFill>
+          <a:ln>
+            <a:noFill/>
+          </a:ln>
+        </p:spPr>
+        <p:style>
+          <a:lnRef idx="2">
+            <a:schemeClr val="accent1">
+              <a:shade val="50000"/>
+            </a:schemeClr>
+          </a:lnRef>
+          <a:fillRef idx="1">
+            <a:schemeClr val="accent1"/>
+          </a:fillRef>
+          <a:effectRef idx="0">
+            <a:schemeClr val="accent1"/>
+          </a:effectRef>
+          <a:fontRef idx="minor">
+            <a:schemeClr val="lt1"/>
+          </a:fontRef>
+        </p:style>
+        <p:txBody>
+          <a:bodyPr rtlCol="0" anchor="ctr"/>
+          <a:lstStyle/>
+          <a:p>
+            <a:pPr algn="ctr"/>
+            <a:r>
+              <a:rPr lang="en-US" altLang="zh-CN" sz="1400" dirty="0">
+                <a:solidFill>
+                  <a:schemeClr val="tx1"/>
+                </a:solidFill>
+              </a:rPr>
+              <a:t>docker</a:t>
+            </a:r>
+            <a:r>
+              <a:rPr lang="zh-CN" altLang="en-US" sz="1400" dirty="0">
+                <a:solidFill>
+                  <a:schemeClr val="tx1"/>
+                </a:solidFill>
+              </a:rPr>
+              <a:t>应用层</a:t>
+            </a:r>
+          </a:p>
+        </p:txBody>
+      </p:sp>
+      <p:sp>
+        <p:nvSpPr>
+          <p:cNvPr id="70" name="矩形 69">
+            <a:extLst>
+              <a:ext uri="{FF2B5EF4-FFF2-40B4-BE49-F238E27FC236}">
+                <a16:creationId xmlns:a16="http://schemas.microsoft.com/office/drawing/2014/main" id="{27B716F1-6E68-406E-A8A8-6546D6BC8B09}"/>
+              </a:ext>
+            </a:extLst>
+          </p:cNvPr>
+          <p:cNvSpPr/>
+          <p:nvPr/>
+        </p:nvSpPr>
+        <p:spPr>
+          <a:xfrm>
+            <a:off x="176463" y="4878512"/>
+            <a:ext cx="1545959" cy="285096"/>
+          </a:xfrm>
+          <a:prstGeom prst="rect">
+            <a:avLst/>
+          </a:prstGeom>
+          <a:solidFill>
+            <a:schemeClr val="accent5">
+              <a:lumMod val="20000"/>
+              <a:lumOff val="80000"/>
+            </a:schemeClr>
+          </a:solidFill>
+          <a:ln>
+            <a:noFill/>
+          </a:ln>
+        </p:spPr>
+        <p:style>
+          <a:lnRef idx="2">
+            <a:schemeClr val="accent1">
+              <a:shade val="50000"/>
+            </a:schemeClr>
+          </a:lnRef>
+          <a:fillRef idx="1">
+            <a:schemeClr val="accent1"/>
+          </a:fillRef>
+          <a:effectRef idx="0">
+            <a:schemeClr val="accent1"/>
+          </a:effectRef>
+          <a:fontRef idx="minor">
+            <a:schemeClr val="lt1"/>
+          </a:fontRef>
+        </p:style>
+        <p:txBody>
+          <a:bodyPr rtlCol="0" anchor="ctr"/>
+          <a:lstStyle/>
+          <a:p>
+            <a:pPr algn="ctr"/>
+            <a:r>
+              <a:rPr lang="zh-CN" altLang="en-US" sz="1400" dirty="0">
+                <a:solidFill>
+                  <a:schemeClr val="tx1"/>
+                </a:solidFill>
+              </a:rPr>
+              <a:t>数据存储层</a:t>
+            </a:r>
+          </a:p>
+        </p:txBody>
+      </p:sp>
+      <p:sp>
+        <p:nvSpPr>
+          <p:cNvPr id="71" name="矩形 70">
+            <a:extLst>
+              <a:ext uri="{FF2B5EF4-FFF2-40B4-BE49-F238E27FC236}">
+                <a16:creationId xmlns:a16="http://schemas.microsoft.com/office/drawing/2014/main" id="{ED24CC71-D055-4B76-A8D0-FE70B2CBCD61}"/>
+              </a:ext>
+            </a:extLst>
+          </p:cNvPr>
+          <p:cNvSpPr/>
+          <p:nvPr/>
+        </p:nvSpPr>
+        <p:spPr>
+          <a:xfrm>
+            <a:off x="1892279" y="5365793"/>
+            <a:ext cx="728058" cy="1202502"/>
+          </a:xfrm>
+          <a:prstGeom prst="rect">
+            <a:avLst/>
+          </a:prstGeom>
+          <a:ln>
+            <a:prstDash val="sysDash"/>
+          </a:ln>
+        </p:spPr>
+        <p:style>
+          <a:lnRef idx="2">
+            <a:schemeClr val="dk1"/>
+          </a:lnRef>
+          <a:fillRef idx="1">
+            <a:schemeClr val="lt1"/>
+          </a:fillRef>
+          <a:effectRef idx="0">
+            <a:schemeClr val="dk1"/>
+          </a:effectRef>
+          <a:fontRef idx="minor">
+            <a:schemeClr val="dk1"/>
+          </a:fontRef>
+        </p:style>
+        <p:txBody>
+          <a:bodyPr rtlCol="0" anchor="ctr"/>
+          <a:lstStyle/>
+          <a:p>
+            <a:pPr algn="ctr"/>
+            <a:r>
+              <a:rPr lang="en-US" altLang="zh-CN" sz="1100" dirty="0"/>
+              <a:t>tomcat</a:t>
+            </a:r>
+            <a:endParaRPr lang="zh-CN" altLang="en-US" sz="1100" dirty="0"/>
+          </a:p>
+        </p:txBody>
+      </p:sp>
+      <p:sp>
+        <p:nvSpPr>
+          <p:cNvPr id="72" name="矩形 71">
+            <a:extLst>
+              <a:ext uri="{FF2B5EF4-FFF2-40B4-BE49-F238E27FC236}">
+                <a16:creationId xmlns:a16="http://schemas.microsoft.com/office/drawing/2014/main" id="{F89AD510-8B90-4B61-8F3E-9C2872D65147}"/>
+              </a:ext>
+            </a:extLst>
+          </p:cNvPr>
+          <p:cNvSpPr/>
+          <p:nvPr/>
+        </p:nvSpPr>
+        <p:spPr>
+          <a:xfrm>
+            <a:off x="2494308" y="5446995"/>
+            <a:ext cx="728058" cy="271291"/>
+          </a:xfrm>
+          <a:prstGeom prst="rect">
+            <a:avLst/>
+          </a:prstGeom>
+          <a:ln>
+            <a:prstDash val="sysDash"/>
+          </a:ln>
+        </p:spPr>
+        <p:style>
+          <a:lnRef idx="2">
+            <a:schemeClr val="dk1"/>
+          </a:lnRef>
+          <a:fillRef idx="1">
+            <a:schemeClr val="lt1"/>
+          </a:fillRef>
+          <a:effectRef idx="0">
+            <a:schemeClr val="dk1"/>
+          </a:effectRef>
+          <a:fontRef idx="minor">
+            <a:schemeClr val="dk1"/>
+          </a:fontRef>
+        </p:style>
+        <p:txBody>
+          <a:bodyPr rtlCol="0" anchor="ctr"/>
+          <a:lstStyle/>
+          <a:p>
+            <a:pPr algn="ctr"/>
+            <a:r>
+              <a:rPr lang="en-US" altLang="zh-CN" sz="1100" dirty="0" err="1"/>
+              <a:t>webapp</a:t>
+            </a:r>
+            <a:endParaRPr lang="zh-CN" altLang="en-US" sz="1100" dirty="0"/>
+          </a:p>
+        </p:txBody>
+      </p:sp>
+      <p:sp>
+        <p:nvSpPr>
+          <p:cNvPr id="73" name="矩形 72">
+            <a:extLst>
+              <a:ext uri="{FF2B5EF4-FFF2-40B4-BE49-F238E27FC236}">
+                <a16:creationId xmlns:a16="http://schemas.microsoft.com/office/drawing/2014/main" id="{DE940D20-542F-4430-80EB-0BAD855C33B9}"/>
+              </a:ext>
+            </a:extLst>
+          </p:cNvPr>
+          <p:cNvSpPr/>
+          <p:nvPr/>
+        </p:nvSpPr>
+        <p:spPr>
+          <a:xfrm>
+            <a:off x="2494308" y="5831398"/>
+            <a:ext cx="728058" cy="271291"/>
+          </a:xfrm>
+          <a:prstGeom prst="rect">
+            <a:avLst/>
+          </a:prstGeom>
+          <a:ln>
+            <a:prstDash val="sysDash"/>
+          </a:ln>
+        </p:spPr>
+        <p:style>
+          <a:lnRef idx="2">
+            <a:schemeClr val="dk1"/>
+          </a:lnRef>
+          <a:fillRef idx="1">
+            <a:schemeClr val="lt1"/>
+          </a:fillRef>
+          <a:effectRef idx="0">
+            <a:schemeClr val="dk1"/>
+          </a:effectRef>
+          <a:fontRef idx="minor">
+            <a:schemeClr val="dk1"/>
+          </a:fontRef>
+        </p:style>
+        <p:txBody>
+          <a:bodyPr rtlCol="0" anchor="ctr"/>
+          <a:lstStyle/>
+          <a:p>
+            <a:pPr algn="ctr"/>
+            <a:r>
+              <a:rPr lang="en-US" altLang="zh-CN" sz="1100" dirty="0"/>
+              <a:t>upload</a:t>
+            </a:r>
+            <a:endParaRPr lang="zh-CN" altLang="en-US" sz="1100" dirty="0"/>
+          </a:p>
+        </p:txBody>
+      </p:sp>
+      <p:sp>
+        <p:nvSpPr>
+          <p:cNvPr id="74" name="矩形 73">
+            <a:extLst>
+              <a:ext uri="{FF2B5EF4-FFF2-40B4-BE49-F238E27FC236}">
+                <a16:creationId xmlns:a16="http://schemas.microsoft.com/office/drawing/2014/main" id="{1B916256-8EE7-472E-A535-41CB6613EFBB}"/>
+              </a:ext>
+            </a:extLst>
+          </p:cNvPr>
+          <p:cNvSpPr/>
+          <p:nvPr/>
+        </p:nvSpPr>
+        <p:spPr>
+          <a:xfrm>
+            <a:off x="2510533" y="6215801"/>
+            <a:ext cx="728058" cy="271291"/>
+          </a:xfrm>
+          <a:prstGeom prst="rect">
+            <a:avLst/>
+          </a:prstGeom>
+          <a:ln>
+            <a:prstDash val="sysDash"/>
+          </a:ln>
+        </p:spPr>
+        <p:style>
+          <a:lnRef idx="2">
+            <a:schemeClr val="dk1"/>
+          </a:lnRef>
+          <a:fillRef idx="1">
+            <a:schemeClr val="lt1"/>
+          </a:fillRef>
+          <a:effectRef idx="0">
+            <a:schemeClr val="dk1"/>
+          </a:effectRef>
+          <a:fontRef idx="minor">
+            <a:schemeClr val="dk1"/>
+          </a:fontRef>
+        </p:style>
+        <p:txBody>
+          <a:bodyPr rtlCol="0" anchor="ctr"/>
+          <a:lstStyle/>
+          <a:p>
+            <a:pPr algn="ctr"/>
+            <a:r>
+              <a:rPr lang="en-US" altLang="zh-CN" sz="1100" dirty="0"/>
+              <a:t>log</a:t>
+            </a:r>
+            <a:endParaRPr lang="zh-CN" altLang="en-US" sz="1100" dirty="0"/>
+          </a:p>
+        </p:txBody>
+      </p:sp>
+      <p:sp>
+        <p:nvSpPr>
+          <p:cNvPr id="75" name="矩形 74">
+            <a:extLst>
+              <a:ext uri="{FF2B5EF4-FFF2-40B4-BE49-F238E27FC236}">
+                <a16:creationId xmlns:a16="http://schemas.microsoft.com/office/drawing/2014/main" id="{75ED3801-9AF6-41E6-A874-873DDA6AD77C}"/>
+              </a:ext>
+            </a:extLst>
+          </p:cNvPr>
+          <p:cNvSpPr/>
+          <p:nvPr/>
+        </p:nvSpPr>
+        <p:spPr>
+          <a:xfrm>
+            <a:off x="3543979" y="5373202"/>
+            <a:ext cx="728058" cy="1202502"/>
+          </a:xfrm>
+          <a:prstGeom prst="rect">
+            <a:avLst/>
+          </a:prstGeom>
+          <a:ln>
+            <a:prstDash val="sysDash"/>
+          </a:ln>
+        </p:spPr>
+        <p:style>
+          <a:lnRef idx="2">
+            <a:schemeClr val="dk1"/>
+          </a:lnRef>
+          <a:fillRef idx="1">
+            <a:schemeClr val="lt1"/>
+          </a:fillRef>
+          <a:effectRef idx="0">
+            <a:schemeClr val="dk1"/>
+          </a:effectRef>
+          <a:fontRef idx="minor">
+            <a:schemeClr val="dk1"/>
+          </a:fontRef>
+        </p:style>
+        <p:txBody>
+          <a:bodyPr rtlCol="0" anchor="ctr"/>
+          <a:lstStyle/>
+          <a:p>
+            <a:pPr algn="ctr"/>
+            <a:r>
+              <a:rPr lang="en-US" altLang="zh-CN" sz="1100" dirty="0" err="1"/>
+              <a:t>mysql</a:t>
+            </a:r>
+            <a:endParaRPr lang="zh-CN" altLang="en-US" sz="1100" dirty="0"/>
+          </a:p>
+        </p:txBody>
+      </p:sp>
+      <p:sp>
+        <p:nvSpPr>
+          <p:cNvPr id="76" name="矩形 75">
+            <a:extLst>
+              <a:ext uri="{FF2B5EF4-FFF2-40B4-BE49-F238E27FC236}">
+                <a16:creationId xmlns:a16="http://schemas.microsoft.com/office/drawing/2014/main" id="{3168F490-1BA8-4EE5-8950-B9E851DBD87D}"/>
+              </a:ext>
+            </a:extLst>
+          </p:cNvPr>
+          <p:cNvSpPr/>
+          <p:nvPr/>
+        </p:nvSpPr>
+        <p:spPr>
+          <a:xfrm>
+            <a:off x="4146008" y="5454404"/>
+            <a:ext cx="728058" cy="271291"/>
+          </a:xfrm>
+          <a:prstGeom prst="rect">
+            <a:avLst/>
+          </a:prstGeom>
+          <a:ln>
+            <a:prstDash val="sysDash"/>
+          </a:ln>
+        </p:spPr>
+        <p:style>
+          <a:lnRef idx="2">
+            <a:schemeClr val="dk1"/>
+          </a:lnRef>
+          <a:fillRef idx="1">
+            <a:schemeClr val="lt1"/>
+          </a:fillRef>
+          <a:effectRef idx="0">
+            <a:schemeClr val="dk1"/>
+          </a:effectRef>
+          <a:fontRef idx="minor">
+            <a:schemeClr val="dk1"/>
+          </a:fontRef>
+        </p:style>
+        <p:txBody>
+          <a:bodyPr rtlCol="0" anchor="ctr"/>
+          <a:lstStyle/>
+          <a:p>
+            <a:pPr algn="ctr"/>
+            <a:r>
+              <a:rPr lang="en-US" altLang="zh-CN" sz="1100" dirty="0"/>
+              <a:t>conf</a:t>
+            </a:r>
+            <a:endParaRPr lang="zh-CN" altLang="en-US" sz="1100" dirty="0"/>
+          </a:p>
+        </p:txBody>
+      </p:sp>
+      <p:sp>
+        <p:nvSpPr>
+          <p:cNvPr id="77" name="矩形 76">
+            <a:extLst>
+              <a:ext uri="{FF2B5EF4-FFF2-40B4-BE49-F238E27FC236}">
+                <a16:creationId xmlns:a16="http://schemas.microsoft.com/office/drawing/2014/main" id="{7719870E-D698-460A-8FFA-AA1FD084F5E6}"/>
+              </a:ext>
+            </a:extLst>
+          </p:cNvPr>
+          <p:cNvSpPr/>
+          <p:nvPr/>
+        </p:nvSpPr>
+        <p:spPr>
+          <a:xfrm>
+            <a:off x="4146008" y="5838807"/>
+            <a:ext cx="728058" cy="271291"/>
+          </a:xfrm>
+          <a:prstGeom prst="rect">
+            <a:avLst/>
+          </a:prstGeom>
+          <a:ln>
+            <a:prstDash val="sysDash"/>
+          </a:ln>
+        </p:spPr>
+        <p:style>
+          <a:lnRef idx="2">
+            <a:schemeClr val="dk1"/>
+          </a:lnRef>
+          <a:fillRef idx="1">
+            <a:schemeClr val="lt1"/>
+          </a:fillRef>
+          <a:effectRef idx="0">
+            <a:schemeClr val="dk1"/>
+          </a:effectRef>
+          <a:fontRef idx="minor">
+            <a:schemeClr val="dk1"/>
+          </a:fontRef>
+        </p:style>
+        <p:txBody>
+          <a:bodyPr rtlCol="0" anchor="ctr"/>
+          <a:lstStyle/>
+          <a:p>
+            <a:pPr algn="ctr"/>
+            <a:r>
+              <a:rPr lang="en-US" altLang="zh-CN" sz="1100" dirty="0"/>
+              <a:t>data</a:t>
+            </a:r>
+            <a:endParaRPr lang="zh-CN" altLang="en-US" sz="1100" dirty="0"/>
+          </a:p>
+        </p:txBody>
+      </p:sp>
+      <p:sp>
+        <p:nvSpPr>
+          <p:cNvPr id="78" name="矩形 77">
+            <a:extLst>
+              <a:ext uri="{FF2B5EF4-FFF2-40B4-BE49-F238E27FC236}">
+                <a16:creationId xmlns:a16="http://schemas.microsoft.com/office/drawing/2014/main" id="{B59A21B6-411C-43FC-96CB-E63AA7500DE5}"/>
+              </a:ext>
+            </a:extLst>
+          </p:cNvPr>
+          <p:cNvSpPr/>
+          <p:nvPr/>
+        </p:nvSpPr>
+        <p:spPr>
+          <a:xfrm>
+            <a:off x="4162233" y="6223210"/>
+            <a:ext cx="728058" cy="271291"/>
+          </a:xfrm>
+          <a:prstGeom prst="rect">
+            <a:avLst/>
+          </a:prstGeom>
+          <a:ln>
+            <a:prstDash val="sysDash"/>
+          </a:ln>
+        </p:spPr>
+        <p:style>
+          <a:lnRef idx="2">
+            <a:schemeClr val="dk1"/>
+          </a:lnRef>
+          <a:fillRef idx="1">
+            <a:schemeClr val="lt1"/>
+          </a:fillRef>
+          <a:effectRef idx="0">
+            <a:schemeClr val="dk1"/>
+          </a:effectRef>
+          <a:fontRef idx="minor">
+            <a:schemeClr val="dk1"/>
+          </a:fontRef>
+        </p:style>
+        <p:txBody>
+          <a:bodyPr rtlCol="0" anchor="ctr"/>
+          <a:lstStyle/>
+          <a:p>
+            <a:pPr algn="ctr"/>
+            <a:r>
+              <a:rPr lang="en-US" altLang="zh-CN" sz="1100" dirty="0"/>
+              <a:t>log</a:t>
+            </a:r>
+            <a:endParaRPr lang="zh-CN" altLang="en-US" sz="1100" dirty="0"/>
+          </a:p>
+        </p:txBody>
+      </p:sp>
+      <p:sp>
+        <p:nvSpPr>
+          <p:cNvPr id="79" name="矩形 78">
+            <a:extLst>
+              <a:ext uri="{FF2B5EF4-FFF2-40B4-BE49-F238E27FC236}">
+                <a16:creationId xmlns:a16="http://schemas.microsoft.com/office/drawing/2014/main" id="{02288EFC-9F18-4A9F-A95F-BC6D74C18FEE}"/>
+              </a:ext>
+            </a:extLst>
+          </p:cNvPr>
+          <p:cNvSpPr/>
+          <p:nvPr/>
+        </p:nvSpPr>
+        <p:spPr>
+          <a:xfrm>
+            <a:off x="5105613" y="5374998"/>
+            <a:ext cx="728058" cy="1202502"/>
+          </a:xfrm>
+          <a:prstGeom prst="rect">
+            <a:avLst/>
+          </a:prstGeom>
+          <a:ln>
+            <a:prstDash val="sysDash"/>
+          </a:ln>
+        </p:spPr>
+        <p:style>
+          <a:lnRef idx="2">
+            <a:schemeClr val="dk1"/>
+          </a:lnRef>
+          <a:fillRef idx="1">
+            <a:schemeClr val="lt1"/>
+          </a:fillRef>
+          <a:effectRef idx="0">
+            <a:schemeClr val="dk1"/>
+          </a:effectRef>
+          <a:fontRef idx="minor">
+            <a:schemeClr val="dk1"/>
+          </a:fontRef>
+        </p:style>
+        <p:txBody>
+          <a:bodyPr rtlCol="0" anchor="ctr"/>
+          <a:lstStyle/>
+          <a:p>
+            <a:pPr algn="ctr"/>
+            <a:r>
+              <a:rPr lang="en-US" altLang="zh-CN" sz="1100" dirty="0" err="1"/>
+              <a:t>redis</a:t>
+            </a:r>
+            <a:endParaRPr lang="zh-CN" altLang="en-US" sz="1100" dirty="0"/>
+          </a:p>
+        </p:txBody>
+      </p:sp>
+      <p:sp>
+        <p:nvSpPr>
+          <p:cNvPr id="80" name="矩形 79">
+            <a:extLst>
+              <a:ext uri="{FF2B5EF4-FFF2-40B4-BE49-F238E27FC236}">
+                <a16:creationId xmlns:a16="http://schemas.microsoft.com/office/drawing/2014/main" id="{C8865090-BBC4-4E4A-9A7F-75AF28A41E01}"/>
+              </a:ext>
+            </a:extLst>
+          </p:cNvPr>
+          <p:cNvSpPr/>
+          <p:nvPr/>
+        </p:nvSpPr>
+        <p:spPr>
+          <a:xfrm>
+            <a:off x="5707642" y="5456200"/>
+            <a:ext cx="728058" cy="271291"/>
+          </a:xfrm>
+          <a:prstGeom prst="rect">
+            <a:avLst/>
+          </a:prstGeom>
+          <a:ln>
+            <a:prstDash val="sysDash"/>
+          </a:ln>
+        </p:spPr>
+        <p:style>
+          <a:lnRef idx="2">
+            <a:schemeClr val="dk1"/>
+          </a:lnRef>
+          <a:fillRef idx="1">
+            <a:schemeClr val="lt1"/>
+          </a:fillRef>
+          <a:effectRef idx="0">
+            <a:schemeClr val="dk1"/>
+          </a:effectRef>
+          <a:fontRef idx="minor">
+            <a:schemeClr val="dk1"/>
+          </a:fontRef>
+        </p:style>
+        <p:txBody>
+          <a:bodyPr rtlCol="0" anchor="ctr"/>
+          <a:lstStyle/>
+          <a:p>
+            <a:pPr algn="ctr"/>
+            <a:r>
+              <a:rPr lang="en-US" altLang="zh-CN" sz="1100" dirty="0"/>
+              <a:t>conf</a:t>
+            </a:r>
+            <a:endParaRPr lang="zh-CN" altLang="en-US" sz="1100" dirty="0"/>
+          </a:p>
+        </p:txBody>
+      </p:sp>
+      <p:sp>
+        <p:nvSpPr>
+          <p:cNvPr id="81" name="矩形 80">
+            <a:extLst>
+              <a:ext uri="{FF2B5EF4-FFF2-40B4-BE49-F238E27FC236}">
+                <a16:creationId xmlns:a16="http://schemas.microsoft.com/office/drawing/2014/main" id="{E85F68C5-8293-4530-AD0E-47ED3E86FCC0}"/>
+              </a:ext>
+            </a:extLst>
+          </p:cNvPr>
+          <p:cNvSpPr/>
+          <p:nvPr/>
+        </p:nvSpPr>
+        <p:spPr>
+          <a:xfrm>
+            <a:off x="5707642" y="5840603"/>
+            <a:ext cx="728058" cy="271291"/>
+          </a:xfrm>
+          <a:prstGeom prst="rect">
+            <a:avLst/>
+          </a:prstGeom>
+          <a:ln>
+            <a:prstDash val="sysDash"/>
+          </a:ln>
+        </p:spPr>
+        <p:style>
+          <a:lnRef idx="2">
+            <a:schemeClr val="dk1"/>
+          </a:lnRef>
+          <a:fillRef idx="1">
+            <a:schemeClr val="lt1"/>
+          </a:fillRef>
+          <a:effectRef idx="0">
+            <a:schemeClr val="dk1"/>
+          </a:effectRef>
+          <a:fontRef idx="minor">
+            <a:schemeClr val="dk1"/>
+          </a:fontRef>
+        </p:style>
+        <p:txBody>
+          <a:bodyPr rtlCol="0" anchor="ctr"/>
+          <a:lstStyle/>
+          <a:p>
+            <a:pPr algn="ctr"/>
+            <a:r>
+              <a:rPr lang="en-US" altLang="zh-CN" sz="1100" dirty="0"/>
+              <a:t>data</a:t>
+            </a:r>
+            <a:endParaRPr lang="zh-CN" altLang="en-US" sz="1100" dirty="0"/>
+          </a:p>
+        </p:txBody>
+      </p:sp>
+      <p:sp>
+        <p:nvSpPr>
+          <p:cNvPr id="82" name="矩形 81">
+            <a:extLst>
+              <a:ext uri="{FF2B5EF4-FFF2-40B4-BE49-F238E27FC236}">
+                <a16:creationId xmlns:a16="http://schemas.microsoft.com/office/drawing/2014/main" id="{62DE8BA0-F9D1-488A-8CF4-927CFA4D20E9}"/>
+              </a:ext>
+            </a:extLst>
+          </p:cNvPr>
+          <p:cNvSpPr/>
+          <p:nvPr/>
+        </p:nvSpPr>
+        <p:spPr>
+          <a:xfrm>
+            <a:off x="5723867" y="6225006"/>
+            <a:ext cx="728058" cy="271291"/>
+          </a:xfrm>
+          <a:prstGeom prst="rect">
+            <a:avLst/>
+          </a:prstGeom>
+          <a:ln>
+            <a:prstDash val="sysDash"/>
+          </a:ln>
+        </p:spPr>
+        <p:style>
+          <a:lnRef idx="2">
+            <a:schemeClr val="dk1"/>
+          </a:lnRef>
+          <a:fillRef idx="1">
+            <a:schemeClr val="lt1"/>
+          </a:fillRef>
+          <a:effectRef idx="0">
+            <a:schemeClr val="dk1"/>
+          </a:effectRef>
+          <a:fontRef idx="minor">
+            <a:schemeClr val="dk1"/>
+          </a:fontRef>
+        </p:style>
+        <p:txBody>
+          <a:bodyPr rtlCol="0" anchor="ctr"/>
+          <a:lstStyle/>
+          <a:p>
+            <a:pPr algn="ctr"/>
+            <a:r>
+              <a:rPr lang="en-US" altLang="zh-CN" sz="1100" dirty="0"/>
+              <a:t>log</a:t>
+            </a:r>
+            <a:endParaRPr lang="zh-CN" altLang="en-US" sz="1100" dirty="0"/>
+          </a:p>
+        </p:txBody>
+      </p:sp>
+      <p:sp>
+        <p:nvSpPr>
+          <p:cNvPr id="83" name="矩形 82">
+            <a:extLst>
+              <a:ext uri="{FF2B5EF4-FFF2-40B4-BE49-F238E27FC236}">
+                <a16:creationId xmlns:a16="http://schemas.microsoft.com/office/drawing/2014/main" id="{F4EBFBB0-9D13-4897-BFB5-7C7BB9AF6432}"/>
+              </a:ext>
+            </a:extLst>
+          </p:cNvPr>
+          <p:cNvSpPr/>
+          <p:nvPr/>
+        </p:nvSpPr>
+        <p:spPr>
+          <a:xfrm>
+            <a:off x="6564434" y="5363872"/>
+            <a:ext cx="728058" cy="1202502"/>
+          </a:xfrm>
+          <a:prstGeom prst="rect">
+            <a:avLst/>
+          </a:prstGeom>
+          <a:ln>
+            <a:prstDash val="sysDash"/>
+          </a:ln>
+        </p:spPr>
+        <p:style>
+          <a:lnRef idx="2">
+            <a:schemeClr val="dk1"/>
+          </a:lnRef>
+          <a:fillRef idx="1">
+            <a:schemeClr val="lt1"/>
+          </a:fillRef>
+          <a:effectRef idx="0">
+            <a:schemeClr val="dk1"/>
+          </a:effectRef>
+          <a:fontRef idx="minor">
+            <a:schemeClr val="dk1"/>
+          </a:fontRef>
+        </p:style>
+        <p:txBody>
+          <a:bodyPr rtlCol="0" anchor="ctr"/>
+          <a:lstStyle/>
+          <a:p>
+            <a:pPr algn="ctr"/>
+            <a:endParaRPr lang="en-US" altLang="zh-CN" sz="1100" dirty="0"/>
+          </a:p>
+          <a:p>
+            <a:pPr algn="ctr"/>
+            <a:r>
+              <a:rPr lang="en-US" altLang="zh-CN" sz="1100" dirty="0" err="1"/>
+              <a:t>RMq</a:t>
+            </a:r>
+            <a:endParaRPr lang="zh-CN" altLang="en-US" sz="1100" dirty="0"/>
+          </a:p>
+        </p:txBody>
+      </p:sp>
+      <p:sp>
+        <p:nvSpPr>
+          <p:cNvPr id="84" name="矩形 83">
+            <a:extLst>
+              <a:ext uri="{FF2B5EF4-FFF2-40B4-BE49-F238E27FC236}">
+                <a16:creationId xmlns:a16="http://schemas.microsoft.com/office/drawing/2014/main" id="{B8377C81-FDC1-425B-89FD-7CE0D565D9AE}"/>
+              </a:ext>
+            </a:extLst>
+          </p:cNvPr>
+          <p:cNvSpPr/>
+          <p:nvPr/>
+        </p:nvSpPr>
+        <p:spPr>
+          <a:xfrm>
+            <a:off x="7166463" y="5445074"/>
+            <a:ext cx="728058" cy="271291"/>
+          </a:xfrm>
+          <a:prstGeom prst="rect">
+            <a:avLst/>
+          </a:prstGeom>
+          <a:ln>
+            <a:prstDash val="sysDash"/>
+          </a:ln>
+        </p:spPr>
+        <p:style>
+          <a:lnRef idx="2">
+            <a:schemeClr val="dk1"/>
+          </a:lnRef>
+          <a:fillRef idx="1">
+            <a:schemeClr val="lt1"/>
+          </a:fillRef>
+          <a:effectRef idx="0">
+            <a:schemeClr val="dk1"/>
+          </a:effectRef>
+          <a:fontRef idx="minor">
+            <a:schemeClr val="dk1"/>
+          </a:fontRef>
+        </p:style>
+        <p:txBody>
+          <a:bodyPr rtlCol="0" anchor="ctr"/>
+          <a:lstStyle/>
+          <a:p>
+            <a:pPr algn="ctr"/>
+            <a:r>
+              <a:rPr lang="en-US" altLang="zh-CN" sz="1100" dirty="0"/>
+              <a:t>conf</a:t>
+            </a:r>
+            <a:endParaRPr lang="zh-CN" altLang="en-US" sz="1100" dirty="0"/>
+          </a:p>
+        </p:txBody>
+      </p:sp>
+      <p:sp>
+        <p:nvSpPr>
+          <p:cNvPr id="85" name="矩形 84">
+            <a:extLst>
+              <a:ext uri="{FF2B5EF4-FFF2-40B4-BE49-F238E27FC236}">
+                <a16:creationId xmlns:a16="http://schemas.microsoft.com/office/drawing/2014/main" id="{FE8BA57B-7DC4-4091-B363-6AA84D51FE9D}"/>
+              </a:ext>
+            </a:extLst>
+          </p:cNvPr>
+          <p:cNvSpPr/>
+          <p:nvPr/>
+        </p:nvSpPr>
+        <p:spPr>
+          <a:xfrm>
+            <a:off x="7166463" y="5829477"/>
+            <a:ext cx="728058" cy="271291"/>
+          </a:xfrm>
+          <a:prstGeom prst="rect">
+            <a:avLst/>
+          </a:prstGeom>
+          <a:ln>
+            <a:prstDash val="sysDash"/>
+          </a:ln>
+        </p:spPr>
+        <p:style>
+          <a:lnRef idx="2">
+            <a:schemeClr val="dk1"/>
+          </a:lnRef>
+          <a:fillRef idx="1">
+            <a:schemeClr val="lt1"/>
+          </a:fillRef>
+          <a:effectRef idx="0">
+            <a:schemeClr val="dk1"/>
+          </a:effectRef>
+          <a:fontRef idx="minor">
+            <a:schemeClr val="dk1"/>
+          </a:fontRef>
+        </p:style>
+        <p:txBody>
+          <a:bodyPr rtlCol="0" anchor="ctr"/>
+          <a:lstStyle/>
+          <a:p>
+            <a:pPr algn="ctr"/>
+            <a:r>
+              <a:rPr lang="en-US" altLang="zh-CN" sz="1100" dirty="0"/>
+              <a:t>data</a:t>
+            </a:r>
+            <a:endParaRPr lang="zh-CN" altLang="en-US" sz="1100" dirty="0"/>
+          </a:p>
+        </p:txBody>
+      </p:sp>
+      <p:sp>
+        <p:nvSpPr>
+          <p:cNvPr id="86" name="矩形 85">
+            <a:extLst>
+              <a:ext uri="{FF2B5EF4-FFF2-40B4-BE49-F238E27FC236}">
+                <a16:creationId xmlns:a16="http://schemas.microsoft.com/office/drawing/2014/main" id="{D9535D45-21CB-41DB-AAEB-190BD03A9D75}"/>
+              </a:ext>
+            </a:extLst>
+          </p:cNvPr>
+          <p:cNvSpPr/>
+          <p:nvPr/>
+        </p:nvSpPr>
+        <p:spPr>
+          <a:xfrm>
+            <a:off x="7182688" y="6213880"/>
+            <a:ext cx="728058" cy="271291"/>
+          </a:xfrm>
+          <a:prstGeom prst="rect">
+            <a:avLst/>
+          </a:prstGeom>
+          <a:ln>
+            <a:prstDash val="sysDash"/>
+          </a:ln>
+        </p:spPr>
+        <p:style>
+          <a:lnRef idx="2">
+            <a:schemeClr val="dk1"/>
+          </a:lnRef>
+          <a:fillRef idx="1">
+            <a:schemeClr val="lt1"/>
+          </a:fillRef>
+          <a:effectRef idx="0">
+            <a:schemeClr val="dk1"/>
+          </a:effectRef>
+          <a:fontRef idx="minor">
+            <a:schemeClr val="dk1"/>
+          </a:fontRef>
+        </p:style>
+        <p:txBody>
+          <a:bodyPr rtlCol="0" anchor="ctr"/>
+          <a:lstStyle/>
+          <a:p>
+            <a:pPr algn="ctr"/>
+            <a:r>
+              <a:rPr lang="en-US" altLang="zh-CN" sz="1100" dirty="0"/>
+              <a:t>log</a:t>
+            </a:r>
+            <a:endParaRPr lang="zh-CN" altLang="en-US" sz="1100" dirty="0"/>
+          </a:p>
+        </p:txBody>
+      </p:sp>
+      <p:sp>
+        <p:nvSpPr>
+          <p:cNvPr id="87" name="矩形 86">
+            <a:extLst>
+              <a:ext uri="{FF2B5EF4-FFF2-40B4-BE49-F238E27FC236}">
+                <a16:creationId xmlns:a16="http://schemas.microsoft.com/office/drawing/2014/main" id="{97CC4F72-9B50-4C9A-8F8C-8C31A149BD30}"/>
+              </a:ext>
+            </a:extLst>
+          </p:cNvPr>
+          <p:cNvSpPr/>
+          <p:nvPr/>
+        </p:nvSpPr>
+        <p:spPr>
+          <a:xfrm>
+            <a:off x="10151647" y="178099"/>
+            <a:ext cx="1853262" cy="4693298"/>
+          </a:xfrm>
+          <a:prstGeom prst="rect">
+            <a:avLst/>
+          </a:prstGeom>
+          <a:ln>
+            <a:prstDash val="sysDash"/>
+          </a:ln>
+        </p:spPr>
+        <p:style>
+          <a:lnRef idx="2">
+            <a:schemeClr val="dk1"/>
+          </a:lnRef>
+          <a:fillRef idx="1">
+            <a:schemeClr val="lt1"/>
+          </a:fillRef>
+          <a:effectRef idx="0">
+            <a:schemeClr val="dk1"/>
+          </a:effectRef>
+          <a:fontRef idx="minor">
+            <a:schemeClr val="dk1"/>
+          </a:fontRef>
+        </p:style>
+        <p:txBody>
+          <a:bodyPr rtlCol="0" anchor="ctr"/>
+          <a:lstStyle/>
+          <a:p>
+            <a:pPr algn="ctr"/>
+            <a:endParaRPr lang="zh-CN" altLang="en-US" dirty="0"/>
+          </a:p>
+        </p:txBody>
+      </p:sp>
+      <p:sp>
+        <p:nvSpPr>
+          <p:cNvPr id="88" name="矩形 87">
+            <a:extLst>
+              <a:ext uri="{FF2B5EF4-FFF2-40B4-BE49-F238E27FC236}">
+                <a16:creationId xmlns:a16="http://schemas.microsoft.com/office/drawing/2014/main" id="{DCC4C5A5-83C0-4BAE-9DBB-4A31D7036D25}"/>
+              </a:ext>
+            </a:extLst>
+          </p:cNvPr>
+          <p:cNvSpPr/>
+          <p:nvPr/>
+        </p:nvSpPr>
+        <p:spPr>
+          <a:xfrm>
+            <a:off x="10150937" y="43268"/>
+            <a:ext cx="1545959" cy="285096"/>
+          </a:xfrm>
+          <a:prstGeom prst="rect">
+            <a:avLst/>
+          </a:prstGeom>
+          <a:solidFill>
+            <a:schemeClr val="accent5">
+              <a:lumMod val="20000"/>
+              <a:lumOff val="80000"/>
+            </a:schemeClr>
+          </a:solidFill>
+          <a:ln>
+            <a:noFill/>
+          </a:ln>
+        </p:spPr>
+        <p:style>
+          <a:lnRef idx="2">
+            <a:schemeClr val="accent1">
+              <a:shade val="50000"/>
+            </a:schemeClr>
+          </a:lnRef>
+          <a:fillRef idx="1">
+            <a:schemeClr val="accent1"/>
+          </a:fillRef>
+          <a:effectRef idx="0">
+            <a:schemeClr val="accent1"/>
+          </a:effectRef>
+          <a:fontRef idx="minor">
+            <a:schemeClr val="lt1"/>
+          </a:fontRef>
+        </p:style>
+        <p:txBody>
+          <a:bodyPr rtlCol="0" anchor="ctr"/>
+          <a:lstStyle/>
+          <a:p>
+            <a:pPr algn="ctr"/>
+            <a:r>
+              <a:rPr lang="zh-CN" altLang="en-US" sz="1400" dirty="0">
+                <a:solidFill>
+                  <a:schemeClr val="tx1"/>
+                </a:solidFill>
+              </a:rPr>
+              <a:t>监控层</a:t>
+            </a:r>
+          </a:p>
+        </p:txBody>
+      </p:sp>
+      <p:sp>
+        <p:nvSpPr>
+          <p:cNvPr id="89" name="矩形: 圆角 88">
+            <a:extLst>
+              <a:ext uri="{FF2B5EF4-FFF2-40B4-BE49-F238E27FC236}">
+                <a16:creationId xmlns:a16="http://schemas.microsoft.com/office/drawing/2014/main" id="{C96901CE-DB27-403B-8D19-5FCC8D59B664}"/>
+              </a:ext>
+            </a:extLst>
+          </p:cNvPr>
+          <p:cNvSpPr/>
+          <p:nvPr/>
+        </p:nvSpPr>
+        <p:spPr>
+          <a:xfrm>
+            <a:off x="10308580" y="549241"/>
+            <a:ext cx="1258100" cy="298989"/>
+          </a:xfrm>
+          <a:prstGeom prst="roundRect">
+            <a:avLst/>
+          </a:prstGeom>
+        </p:spPr>
+        <p:style>
+          <a:lnRef idx="2">
+            <a:schemeClr val="dk1"/>
+          </a:lnRef>
+          <a:fillRef idx="1">
+            <a:schemeClr val="lt1"/>
+          </a:fillRef>
+          <a:effectRef idx="0">
+            <a:schemeClr val="dk1"/>
+          </a:effectRef>
+          <a:fontRef idx="minor">
+            <a:schemeClr val="dk1"/>
+          </a:fontRef>
+        </p:style>
+        <p:txBody>
+          <a:bodyPr rtlCol="0" anchor="ctr"/>
+          <a:lstStyle/>
+          <a:p>
+            <a:pPr algn="ctr"/>
+            <a:r>
+              <a:rPr lang="en-US" altLang="zh-CN" sz="1050" dirty="0"/>
+              <a:t>Prometheus</a:t>
+            </a:r>
+          </a:p>
+        </p:txBody>
+      </p:sp>
+      <p:sp>
+        <p:nvSpPr>
+          <p:cNvPr id="90" name="矩形: 圆角 89">
+            <a:extLst>
+              <a:ext uri="{FF2B5EF4-FFF2-40B4-BE49-F238E27FC236}">
+                <a16:creationId xmlns:a16="http://schemas.microsoft.com/office/drawing/2014/main" id="{D8A3B0CE-4CB1-4D32-BE06-BD1C64527F89}"/>
+              </a:ext>
+            </a:extLst>
+          </p:cNvPr>
+          <p:cNvSpPr/>
+          <p:nvPr/>
+        </p:nvSpPr>
+        <p:spPr>
+          <a:xfrm>
+            <a:off x="10335972" y="1204038"/>
+            <a:ext cx="1258100" cy="298989"/>
+          </a:xfrm>
+          <a:prstGeom prst="roundRect">
+            <a:avLst/>
+          </a:prstGeom>
+        </p:spPr>
+        <p:style>
+          <a:lnRef idx="2">
+            <a:schemeClr val="dk1"/>
+          </a:lnRef>
+          <a:fillRef idx="1">
+            <a:schemeClr val="lt1"/>
+          </a:fillRef>
+          <a:effectRef idx="0">
+            <a:schemeClr val="dk1"/>
+          </a:effectRef>
+          <a:fontRef idx="minor">
+            <a:schemeClr val="dk1"/>
+          </a:fontRef>
+        </p:style>
+        <p:txBody>
+          <a:bodyPr rtlCol="0" anchor="ctr"/>
+          <a:lstStyle/>
+          <a:p>
+            <a:pPr algn="ctr"/>
+            <a:r>
+              <a:rPr lang="en-US" altLang="zh-CN" sz="1050" dirty="0" err="1"/>
+              <a:t>AlertManager</a:t>
+            </a:r>
+            <a:endParaRPr lang="en-US" altLang="zh-CN" sz="1050" dirty="0"/>
+          </a:p>
+        </p:txBody>
+      </p:sp>
+      <p:sp>
+        <p:nvSpPr>
+          <p:cNvPr id="91" name="矩形: 圆角 90">
+            <a:extLst>
+              <a:ext uri="{FF2B5EF4-FFF2-40B4-BE49-F238E27FC236}">
+                <a16:creationId xmlns:a16="http://schemas.microsoft.com/office/drawing/2014/main" id="{7C14F8A8-270F-4802-8C8D-01E385C67F6C}"/>
+              </a:ext>
+            </a:extLst>
+          </p:cNvPr>
+          <p:cNvSpPr/>
+          <p:nvPr/>
+        </p:nvSpPr>
+        <p:spPr>
+          <a:xfrm>
+            <a:off x="10358884" y="1984055"/>
+            <a:ext cx="1258100" cy="298989"/>
+          </a:xfrm>
+          <a:prstGeom prst="roundRect">
+            <a:avLst/>
+          </a:prstGeom>
+        </p:spPr>
+        <p:style>
+          <a:lnRef idx="2">
+            <a:schemeClr val="dk1"/>
+          </a:lnRef>
+          <a:fillRef idx="1">
+            <a:schemeClr val="lt1"/>
+          </a:fillRef>
+          <a:effectRef idx="0">
+            <a:schemeClr val="dk1"/>
+          </a:effectRef>
+          <a:fontRef idx="minor">
+            <a:schemeClr val="dk1"/>
+          </a:fontRef>
+        </p:style>
+        <p:txBody>
+          <a:bodyPr rtlCol="0" anchor="ctr"/>
+          <a:lstStyle/>
+          <a:p>
+            <a:pPr algn="ctr"/>
+            <a:r>
+              <a:rPr lang="en-US" altLang="zh-CN" sz="1050" dirty="0"/>
+              <a:t>Grafana</a:t>
+            </a:r>
+          </a:p>
+        </p:txBody>
+      </p:sp>
+      <p:cxnSp>
+        <p:nvCxnSpPr>
+          <p:cNvPr id="48" name="直接连接符 47">
+            <a:extLst>
+              <a:ext uri="{FF2B5EF4-FFF2-40B4-BE49-F238E27FC236}">
+                <a16:creationId xmlns:a16="http://schemas.microsoft.com/office/drawing/2014/main" id="{17508FE4-3527-40DC-8C12-4659588EDFE3}"/>
+              </a:ext>
+            </a:extLst>
+          </p:cNvPr>
+          <p:cNvCxnSpPr>
+            <a:cxnSpLocks/>
+            <a:stCxn id="87" idx="1"/>
+            <a:endCxn id="87" idx="3"/>
+          </p:cNvCxnSpPr>
+          <p:nvPr/>
+        </p:nvCxnSpPr>
+        <p:spPr>
+          <a:xfrm>
+            <a:off x="10151647" y="2524748"/>
+            <a:ext cx="1853262" cy="0"/>
+          </a:xfrm>
+          <a:prstGeom prst="line">
+            <a:avLst/>
+          </a:prstGeom>
+        </p:spPr>
+        <p:style>
+          <a:lnRef idx="1">
+            <a:schemeClr val="accent1"/>
+          </a:lnRef>
+          <a:fillRef idx="0">
+            <a:schemeClr val="accent1"/>
+          </a:fillRef>
+          <a:effectRef idx="0">
+            <a:schemeClr val="accent1"/>
+          </a:effectRef>
+          <a:fontRef idx="minor">
+            <a:schemeClr val="tx1"/>
+          </a:fontRef>
+        </p:style>
+      </p:cxnSp>
+      <p:sp>
+        <p:nvSpPr>
+          <p:cNvPr id="93" name="矩形: 圆角 92">
+            <a:extLst>
+              <a:ext uri="{FF2B5EF4-FFF2-40B4-BE49-F238E27FC236}">
+                <a16:creationId xmlns:a16="http://schemas.microsoft.com/office/drawing/2014/main" id="{B3E1FF81-C4F1-4EEB-B465-C3AD990985B7}"/>
+              </a:ext>
+            </a:extLst>
+          </p:cNvPr>
+          <p:cNvSpPr/>
+          <p:nvPr/>
+        </p:nvSpPr>
+        <p:spPr>
+          <a:xfrm>
+            <a:off x="10377516" y="2658274"/>
+            <a:ext cx="1258100" cy="298989"/>
+          </a:xfrm>
+          <a:prstGeom prst="roundRect">
+            <a:avLst/>
+          </a:prstGeom>
+          <a:solidFill>
+            <a:schemeClr val="accent6">
+              <a:lumMod val="20000"/>
+              <a:lumOff val="80000"/>
+            </a:schemeClr>
+          </a:solidFill>
+        </p:spPr>
+        <p:style>
+          <a:lnRef idx="2">
+            <a:schemeClr val="dk1"/>
+          </a:lnRef>
+          <a:fillRef idx="1">
+            <a:schemeClr val="lt1"/>
+          </a:fillRef>
+          <a:effectRef idx="0">
+            <a:schemeClr val="dk1"/>
+          </a:effectRef>
+          <a:fontRef idx="minor">
+            <a:schemeClr val="dk1"/>
+          </a:fontRef>
+        </p:style>
+        <p:txBody>
+          <a:bodyPr rtlCol="0" anchor="ctr"/>
+          <a:lstStyle/>
+          <a:p>
+            <a:pPr algn="ctr"/>
+            <a:r>
+              <a:rPr lang="en-US" altLang="zh-CN" sz="1050" dirty="0" err="1"/>
+              <a:t>NodeExporter</a:t>
+            </a:r>
+            <a:r>
+              <a:rPr lang="en-US" altLang="zh-CN" sz="1050" dirty="0"/>
+              <a:t> </a:t>
+            </a:r>
+          </a:p>
+        </p:txBody>
+      </p:sp>
+      <p:sp>
+        <p:nvSpPr>
+          <p:cNvPr id="95" name="矩形: 圆角 94">
+            <a:extLst>
+              <a:ext uri="{FF2B5EF4-FFF2-40B4-BE49-F238E27FC236}">
+                <a16:creationId xmlns:a16="http://schemas.microsoft.com/office/drawing/2014/main" id="{2EC8E3D4-30AC-44A6-9E2F-5AADC25C861D}"/>
+              </a:ext>
+            </a:extLst>
+          </p:cNvPr>
+          <p:cNvSpPr/>
+          <p:nvPr/>
+        </p:nvSpPr>
+        <p:spPr>
+          <a:xfrm>
+            <a:off x="10377516" y="3088567"/>
+            <a:ext cx="1258100" cy="298989"/>
+          </a:xfrm>
+          <a:prstGeom prst="roundRect">
+            <a:avLst/>
+          </a:prstGeom>
+          <a:solidFill>
+            <a:schemeClr val="accent6">
+              <a:lumMod val="20000"/>
+              <a:lumOff val="80000"/>
+            </a:schemeClr>
+          </a:solidFill>
+        </p:spPr>
+        <p:style>
+          <a:lnRef idx="2">
+            <a:schemeClr val="dk1"/>
+          </a:lnRef>
+          <a:fillRef idx="1">
+            <a:schemeClr val="lt1"/>
+          </a:fillRef>
+          <a:effectRef idx="0">
+            <a:schemeClr val="dk1"/>
+          </a:effectRef>
+          <a:fontRef idx="minor">
+            <a:schemeClr val="dk1"/>
+          </a:fontRef>
+        </p:style>
+        <p:txBody>
+          <a:bodyPr rtlCol="0" anchor="ctr"/>
+          <a:lstStyle/>
+          <a:p>
+            <a:pPr algn="ctr"/>
+            <a:r>
+              <a:rPr lang="en-US" altLang="zh-CN" sz="1050" dirty="0" err="1"/>
+              <a:t>cAdvisor</a:t>
+            </a:r>
+            <a:r>
+              <a:rPr lang="en-US" altLang="zh-CN" sz="1050" dirty="0"/>
+              <a:t> </a:t>
+            </a:r>
+          </a:p>
+        </p:txBody>
+      </p:sp>
+      <p:sp>
+        <p:nvSpPr>
+          <p:cNvPr id="96" name="矩形: 圆角 95">
+            <a:extLst>
+              <a:ext uri="{FF2B5EF4-FFF2-40B4-BE49-F238E27FC236}">
+                <a16:creationId xmlns:a16="http://schemas.microsoft.com/office/drawing/2014/main" id="{6946CBF5-69AB-4200-9F7C-9798B5222CF3}"/>
+              </a:ext>
+            </a:extLst>
+          </p:cNvPr>
+          <p:cNvSpPr/>
+          <p:nvPr/>
+        </p:nvSpPr>
+        <p:spPr>
+          <a:xfrm>
+            <a:off x="8018406" y="938991"/>
+            <a:ext cx="1506594" cy="298989"/>
+          </a:xfrm>
+          <a:prstGeom prst="roundRect">
+            <a:avLst/>
+          </a:prstGeom>
+          <a:solidFill>
+            <a:schemeClr val="accent6">
+              <a:lumMod val="20000"/>
+              <a:lumOff val="80000"/>
+            </a:schemeClr>
+          </a:solidFill>
+        </p:spPr>
+        <p:style>
+          <a:lnRef idx="2">
+            <a:schemeClr val="dk1"/>
+          </a:lnRef>
+          <a:fillRef idx="1">
+            <a:schemeClr val="lt1"/>
+          </a:fillRef>
+          <a:effectRef idx="0">
+            <a:schemeClr val="dk1"/>
+          </a:effectRef>
+          <a:fontRef idx="minor">
+            <a:schemeClr val="dk1"/>
+          </a:fontRef>
+        </p:style>
+        <p:txBody>
+          <a:bodyPr rtlCol="0" anchor="ctr"/>
+          <a:lstStyle/>
+          <a:p>
+            <a:pPr algn="ctr"/>
+            <a:r>
+              <a:rPr lang="en-US" altLang="zh-CN" sz="1050" dirty="0" err="1"/>
+              <a:t>blackbox_exporter</a:t>
+            </a:r>
+            <a:endParaRPr lang="en-US" altLang="zh-CN" sz="1050" dirty="0"/>
+          </a:p>
+        </p:txBody>
+      </p:sp>
+      <p:sp>
+        <p:nvSpPr>
+          <p:cNvPr id="97" name="矩形: 圆角 96">
+            <a:extLst>
+              <a:ext uri="{FF2B5EF4-FFF2-40B4-BE49-F238E27FC236}">
+                <a16:creationId xmlns:a16="http://schemas.microsoft.com/office/drawing/2014/main" id="{573F9E24-6991-47B5-9EE2-7E0F253FF8A4}"/>
+              </a:ext>
+            </a:extLst>
+          </p:cNvPr>
+          <p:cNvSpPr/>
+          <p:nvPr/>
+        </p:nvSpPr>
+        <p:spPr>
+          <a:xfrm>
+            <a:off x="8036812" y="1397902"/>
+            <a:ext cx="1506594" cy="298989"/>
+          </a:xfrm>
+          <a:prstGeom prst="roundRect">
+            <a:avLst/>
+          </a:prstGeom>
+          <a:solidFill>
+            <a:schemeClr val="accent6">
+              <a:lumMod val="20000"/>
+              <a:lumOff val="80000"/>
+            </a:schemeClr>
+          </a:solidFill>
+        </p:spPr>
+        <p:style>
+          <a:lnRef idx="2">
+            <a:schemeClr val="dk1"/>
+          </a:lnRef>
+          <a:fillRef idx="1">
+            <a:schemeClr val="lt1"/>
+          </a:fillRef>
+          <a:effectRef idx="0">
+            <a:schemeClr val="dk1"/>
+          </a:effectRef>
+          <a:fontRef idx="minor">
+            <a:schemeClr val="dk1"/>
+          </a:fontRef>
+        </p:style>
+        <p:txBody>
+          <a:bodyPr rtlCol="0" anchor="ctr"/>
+          <a:lstStyle/>
+          <a:p>
+            <a:pPr algn="ctr"/>
+            <a:r>
+              <a:rPr lang="en-US" altLang="zh-CN" sz="1050" dirty="0" err="1"/>
+              <a:t>mysqld_exporter</a:t>
+            </a:r>
+            <a:endParaRPr lang="en-US" altLang="zh-CN" sz="1050" dirty="0"/>
+          </a:p>
+        </p:txBody>
+      </p:sp>
+      <p:sp>
+        <p:nvSpPr>
+          <p:cNvPr id="98" name="矩形: 圆角 97">
+            <a:extLst>
+              <a:ext uri="{FF2B5EF4-FFF2-40B4-BE49-F238E27FC236}">
+                <a16:creationId xmlns:a16="http://schemas.microsoft.com/office/drawing/2014/main" id="{96FE9910-F576-4CDE-8280-FF536B6597B4}"/>
+              </a:ext>
+            </a:extLst>
+          </p:cNvPr>
+          <p:cNvSpPr/>
+          <p:nvPr/>
+        </p:nvSpPr>
+        <p:spPr>
+          <a:xfrm>
+            <a:off x="10377516" y="3545802"/>
+            <a:ext cx="1258100" cy="298989"/>
+          </a:xfrm>
+          <a:prstGeom prst="roundRect">
+            <a:avLst/>
+          </a:prstGeom>
+          <a:solidFill>
+            <a:schemeClr val="accent6">
+              <a:lumMod val="20000"/>
+              <a:lumOff val="80000"/>
+            </a:schemeClr>
+          </a:solidFill>
+        </p:spPr>
+        <p:style>
+          <a:lnRef idx="2">
+            <a:schemeClr val="dk1"/>
+          </a:lnRef>
+          <a:fillRef idx="1">
+            <a:schemeClr val="lt1"/>
+          </a:fillRef>
+          <a:effectRef idx="0">
+            <a:schemeClr val="dk1"/>
+          </a:effectRef>
+          <a:fontRef idx="minor">
+            <a:schemeClr val="dk1"/>
+          </a:fontRef>
+        </p:style>
+        <p:txBody>
+          <a:bodyPr rtlCol="0" anchor="ctr"/>
+          <a:lstStyle/>
+          <a:p>
+            <a:pPr algn="ctr"/>
+            <a:r>
+              <a:rPr lang="en-US" altLang="zh-CN" sz="1050" dirty="0" err="1"/>
+              <a:t>NVIDIAExporter</a:t>
+            </a:r>
+            <a:r>
+              <a:rPr lang="en-US" altLang="zh-CN" sz="1050" dirty="0"/>
+              <a:t> </a:t>
+            </a:r>
+          </a:p>
+        </p:txBody>
+      </p:sp>
+      <p:sp>
+        <p:nvSpPr>
+          <p:cNvPr id="99" name="矩形: 圆角 98">
+            <a:extLst>
+              <a:ext uri="{FF2B5EF4-FFF2-40B4-BE49-F238E27FC236}">
+                <a16:creationId xmlns:a16="http://schemas.microsoft.com/office/drawing/2014/main" id="{EDD231D4-588F-4C2F-AF15-93A5BB2236BC}"/>
+              </a:ext>
+            </a:extLst>
+          </p:cNvPr>
+          <p:cNvSpPr/>
+          <p:nvPr/>
+        </p:nvSpPr>
+        <p:spPr>
+          <a:xfrm>
+            <a:off x="10377516" y="4020931"/>
+            <a:ext cx="1258100" cy="298989"/>
+          </a:xfrm>
+          <a:prstGeom prst="roundRect">
+            <a:avLst/>
+          </a:prstGeom>
+          <a:solidFill>
+            <a:schemeClr val="accent6">
+              <a:lumMod val="20000"/>
+              <a:lumOff val="80000"/>
+            </a:schemeClr>
+          </a:solidFill>
+        </p:spPr>
+        <p:style>
+          <a:lnRef idx="2">
+            <a:schemeClr val="dk1"/>
+          </a:lnRef>
+          <a:fillRef idx="1">
+            <a:schemeClr val="lt1"/>
+          </a:fillRef>
+          <a:effectRef idx="0">
+            <a:schemeClr val="dk1"/>
+          </a:effectRef>
+          <a:fontRef idx="minor">
+            <a:schemeClr val="dk1"/>
+          </a:fontRef>
+        </p:style>
+        <p:txBody>
+          <a:bodyPr rtlCol="0" anchor="ctr"/>
+          <a:lstStyle/>
+          <a:p>
+            <a:pPr algn="ctr"/>
+            <a:r>
+              <a:rPr lang="en-US" altLang="zh-CN" sz="1050" dirty="0"/>
+              <a:t>MQTT </a:t>
+            </a:r>
+            <a:r>
+              <a:rPr lang="en-US" altLang="zh-CN" sz="1050" dirty="0" err="1"/>
+              <a:t>blackbox</a:t>
+            </a:r>
+            <a:r>
+              <a:rPr lang="en-US" altLang="zh-CN" sz="1050" dirty="0"/>
+              <a:t> exporter</a:t>
+            </a:r>
+          </a:p>
+        </p:txBody>
+      </p:sp>
+      <p:sp>
+        <p:nvSpPr>
+          <p:cNvPr id="100" name="矩形: 圆角 99">
+            <a:extLst>
+              <a:ext uri="{FF2B5EF4-FFF2-40B4-BE49-F238E27FC236}">
+                <a16:creationId xmlns:a16="http://schemas.microsoft.com/office/drawing/2014/main" id="{1AA823F1-3765-4FD0-B1E2-C350E6E61648}"/>
+              </a:ext>
+            </a:extLst>
+          </p:cNvPr>
+          <p:cNvSpPr/>
+          <p:nvPr/>
+        </p:nvSpPr>
+        <p:spPr>
+          <a:xfrm>
+            <a:off x="8036812" y="1837308"/>
+            <a:ext cx="1506594" cy="298989"/>
+          </a:xfrm>
+          <a:prstGeom prst="roundRect">
+            <a:avLst/>
+          </a:prstGeom>
+          <a:solidFill>
+            <a:schemeClr val="accent6">
+              <a:lumMod val="20000"/>
+              <a:lumOff val="80000"/>
+            </a:schemeClr>
+          </a:solidFill>
+        </p:spPr>
+        <p:style>
+          <a:lnRef idx="2">
+            <a:schemeClr val="dk1"/>
+          </a:lnRef>
+          <a:fillRef idx="1">
+            <a:schemeClr val="lt1"/>
+          </a:fillRef>
+          <a:effectRef idx="0">
+            <a:schemeClr val="dk1"/>
+          </a:effectRef>
+          <a:fontRef idx="minor">
+            <a:schemeClr val="dk1"/>
+          </a:fontRef>
+        </p:style>
+        <p:txBody>
+          <a:bodyPr rtlCol="0" anchor="ctr"/>
+          <a:lstStyle/>
+          <a:p>
+            <a:pPr algn="ctr"/>
+            <a:r>
+              <a:rPr lang="en-US" altLang="zh-CN" sz="1050" dirty="0"/>
+              <a:t>RabbitMQ exporter</a:t>
+            </a:r>
+          </a:p>
+        </p:txBody>
+      </p:sp>
+      <p:sp>
+        <p:nvSpPr>
+          <p:cNvPr id="132" name="矩形: 圆角 131">
+            <a:extLst>
+              <a:ext uri="{FF2B5EF4-FFF2-40B4-BE49-F238E27FC236}">
+                <a16:creationId xmlns:a16="http://schemas.microsoft.com/office/drawing/2014/main" id="{55B9F723-3C5F-44E4-B207-42486BF91D36}"/>
+              </a:ext>
+            </a:extLst>
+          </p:cNvPr>
+          <p:cNvSpPr/>
+          <p:nvPr/>
+        </p:nvSpPr>
+        <p:spPr>
+          <a:xfrm>
+            <a:off x="507890" y="3721942"/>
+            <a:ext cx="1435714" cy="298989"/>
+          </a:xfrm>
+          <a:prstGeom prst="roundRect">
+            <a:avLst/>
+          </a:prstGeom>
+          <a:solidFill>
+            <a:schemeClr val="accent6">
+              <a:lumMod val="20000"/>
+              <a:lumOff val="80000"/>
+            </a:schemeClr>
+          </a:solidFill>
+        </p:spPr>
+        <p:style>
+          <a:lnRef idx="2">
+            <a:schemeClr val="dk1"/>
+          </a:lnRef>
+          <a:fillRef idx="1">
+            <a:schemeClr val="lt1"/>
+          </a:fillRef>
+          <a:effectRef idx="0">
+            <a:schemeClr val="dk1"/>
+          </a:effectRef>
+          <a:fontRef idx="minor">
+            <a:schemeClr val="dk1"/>
+          </a:fontRef>
+        </p:style>
+        <p:txBody>
+          <a:bodyPr rtlCol="0" anchor="ctr"/>
+          <a:lstStyle/>
+          <a:p>
+            <a:pPr algn="ctr"/>
+            <a:r>
+              <a:rPr lang="en-US" altLang="zh-CN" sz="1000" dirty="0" err="1"/>
+              <a:t>nginx</a:t>
+            </a:r>
+            <a:r>
+              <a:rPr lang="en-US" altLang="zh-CN" sz="1000" dirty="0"/>
+              <a:t>-</a:t>
+            </a:r>
+            <a:r>
+              <a:rPr lang="en-US" altLang="zh-CN" sz="1000" dirty="0" err="1"/>
+              <a:t>vts</a:t>
+            </a:r>
+            <a:r>
+              <a:rPr lang="en-US" altLang="zh-CN" sz="1000" dirty="0"/>
+              <a:t>-exporter</a:t>
+            </a:r>
+          </a:p>
+        </p:txBody>
+      </p:sp>
+      <p:sp>
+        <p:nvSpPr>
+          <p:cNvPr id="133" name="矩形: 圆角 132">
+            <a:extLst>
+              <a:ext uri="{FF2B5EF4-FFF2-40B4-BE49-F238E27FC236}">
+                <a16:creationId xmlns:a16="http://schemas.microsoft.com/office/drawing/2014/main" id="{89CCE142-03E6-4522-97F8-1F886526D809}"/>
+              </a:ext>
+            </a:extLst>
+          </p:cNvPr>
+          <p:cNvSpPr/>
+          <p:nvPr/>
+        </p:nvSpPr>
+        <p:spPr>
+          <a:xfrm>
+            <a:off x="8050753" y="2316621"/>
+            <a:ext cx="1506594" cy="298989"/>
+          </a:xfrm>
+          <a:prstGeom prst="roundRect">
+            <a:avLst/>
+          </a:prstGeom>
+          <a:solidFill>
+            <a:schemeClr val="accent6">
+              <a:lumMod val="20000"/>
+              <a:lumOff val="80000"/>
+            </a:schemeClr>
+          </a:solidFill>
+        </p:spPr>
+        <p:style>
+          <a:lnRef idx="2">
+            <a:schemeClr val="dk1"/>
+          </a:lnRef>
+          <a:fillRef idx="1">
+            <a:schemeClr val="lt1"/>
+          </a:fillRef>
+          <a:effectRef idx="0">
+            <a:schemeClr val="dk1"/>
+          </a:effectRef>
+          <a:fontRef idx="minor">
+            <a:schemeClr val="dk1"/>
+          </a:fontRef>
+        </p:style>
+        <p:txBody>
+          <a:bodyPr rtlCol="0" anchor="ctr"/>
+          <a:lstStyle/>
+          <a:p>
+            <a:pPr algn="ctr"/>
+            <a:r>
+              <a:rPr lang="en-US" altLang="zh-CN" sz="1050" dirty="0"/>
+              <a:t>Redis exporter</a:t>
+            </a:r>
+          </a:p>
+        </p:txBody>
+      </p:sp>
+      <p:sp>
+        <p:nvSpPr>
+          <p:cNvPr id="134" name="矩形: 圆角 133">
+            <a:extLst>
+              <a:ext uri="{FF2B5EF4-FFF2-40B4-BE49-F238E27FC236}">
+                <a16:creationId xmlns:a16="http://schemas.microsoft.com/office/drawing/2014/main" id="{AEB710D8-515D-4843-ABED-141901B6A9BC}"/>
+              </a:ext>
+            </a:extLst>
+          </p:cNvPr>
+          <p:cNvSpPr/>
+          <p:nvPr/>
+        </p:nvSpPr>
+        <p:spPr>
+          <a:xfrm>
+            <a:off x="4250520" y="1240369"/>
+            <a:ext cx="856793" cy="298989"/>
+          </a:xfrm>
+          <a:prstGeom prst="roundRect">
+            <a:avLst/>
+          </a:prstGeom>
+          <a:solidFill>
+            <a:schemeClr val="accent6">
+              <a:lumMod val="20000"/>
+              <a:lumOff val="80000"/>
+            </a:schemeClr>
+          </a:solidFill>
+        </p:spPr>
+        <p:style>
+          <a:lnRef idx="2">
+            <a:schemeClr val="dk1"/>
+          </a:lnRef>
+          <a:fillRef idx="1">
+            <a:schemeClr val="lt1"/>
+          </a:fillRef>
+          <a:effectRef idx="0">
+            <a:schemeClr val="dk1"/>
+          </a:effectRef>
+          <a:fontRef idx="minor">
+            <a:schemeClr val="dk1"/>
+          </a:fontRef>
+        </p:style>
+        <p:txBody>
+          <a:bodyPr rtlCol="0" anchor="ctr"/>
+          <a:lstStyle/>
+          <a:p>
+            <a:pPr algn="ctr"/>
+            <a:r>
+              <a:rPr lang="en-US" altLang="zh-CN" sz="800" dirty="0"/>
+              <a:t>My Exporter</a:t>
+            </a:r>
+          </a:p>
+        </p:txBody>
+      </p:sp>
+      <p:sp>
+        <p:nvSpPr>
+          <p:cNvPr id="135" name="矩形 134">
+            <a:extLst>
+              <a:ext uri="{FF2B5EF4-FFF2-40B4-BE49-F238E27FC236}">
+                <a16:creationId xmlns:a16="http://schemas.microsoft.com/office/drawing/2014/main" id="{2583A639-EB16-4123-8454-0E0507A1D60B}"/>
+              </a:ext>
+            </a:extLst>
+          </p:cNvPr>
+          <p:cNvSpPr/>
+          <p:nvPr/>
+        </p:nvSpPr>
+        <p:spPr>
+          <a:xfrm>
+            <a:off x="367179" y="5337861"/>
+            <a:ext cx="728058" cy="1202502"/>
+          </a:xfrm>
+          <a:prstGeom prst="rect">
+            <a:avLst/>
+          </a:prstGeom>
+          <a:ln>
+            <a:prstDash val="sysDash"/>
+          </a:ln>
+        </p:spPr>
+        <p:style>
+          <a:lnRef idx="2">
+            <a:schemeClr val="dk1"/>
+          </a:lnRef>
+          <a:fillRef idx="1">
+            <a:schemeClr val="lt1"/>
+          </a:fillRef>
+          <a:effectRef idx="0">
+            <a:schemeClr val="dk1"/>
+          </a:effectRef>
+          <a:fontRef idx="minor">
+            <a:schemeClr val="dk1"/>
+          </a:fontRef>
+        </p:style>
+        <p:txBody>
+          <a:bodyPr rtlCol="0" anchor="ctr"/>
+          <a:lstStyle/>
+          <a:p>
+            <a:pPr algn="ctr"/>
+            <a:r>
+              <a:rPr lang="en-US" altLang="zh-CN" sz="1100" dirty="0"/>
+              <a:t>Nginx</a:t>
+            </a:r>
+            <a:endParaRPr lang="zh-CN" altLang="en-US" sz="1100" dirty="0"/>
+          </a:p>
+        </p:txBody>
+      </p:sp>
+      <p:sp>
+        <p:nvSpPr>
+          <p:cNvPr id="136" name="矩形 135">
+            <a:extLst>
+              <a:ext uri="{FF2B5EF4-FFF2-40B4-BE49-F238E27FC236}">
+                <a16:creationId xmlns:a16="http://schemas.microsoft.com/office/drawing/2014/main" id="{18AD48C6-56BC-4E27-9C2A-09D0FB5A9F75}"/>
+              </a:ext>
+            </a:extLst>
+          </p:cNvPr>
+          <p:cNvSpPr/>
+          <p:nvPr/>
+        </p:nvSpPr>
+        <p:spPr>
+          <a:xfrm>
+            <a:off x="969208" y="5419063"/>
+            <a:ext cx="728058" cy="271291"/>
+          </a:xfrm>
+          <a:prstGeom prst="rect">
+            <a:avLst/>
+          </a:prstGeom>
+          <a:ln>
+            <a:prstDash val="sysDash"/>
+          </a:ln>
+        </p:spPr>
+        <p:style>
+          <a:lnRef idx="2">
+            <a:schemeClr val="dk1"/>
+          </a:lnRef>
+          <a:fillRef idx="1">
+            <a:schemeClr val="lt1"/>
+          </a:fillRef>
+          <a:effectRef idx="0">
+            <a:schemeClr val="dk1"/>
+          </a:effectRef>
+          <a:fontRef idx="minor">
+            <a:schemeClr val="dk1"/>
+          </a:fontRef>
+        </p:style>
+        <p:txBody>
+          <a:bodyPr rtlCol="0" anchor="ctr"/>
+          <a:lstStyle/>
+          <a:p>
+            <a:pPr algn="ctr"/>
+            <a:r>
+              <a:rPr lang="en-US" altLang="zh-CN" sz="1100" dirty="0" err="1"/>
+              <a:t>webapp</a:t>
+            </a:r>
+            <a:endParaRPr lang="zh-CN" altLang="en-US" sz="1100" dirty="0"/>
+          </a:p>
+        </p:txBody>
+      </p:sp>
+      <p:sp>
+        <p:nvSpPr>
+          <p:cNvPr id="137" name="矩形 136">
+            <a:extLst>
+              <a:ext uri="{FF2B5EF4-FFF2-40B4-BE49-F238E27FC236}">
+                <a16:creationId xmlns:a16="http://schemas.microsoft.com/office/drawing/2014/main" id="{D8753BF3-A126-4D2D-8B2C-FA8F94634628}"/>
+              </a:ext>
+            </a:extLst>
+          </p:cNvPr>
+          <p:cNvSpPr/>
+          <p:nvPr/>
+        </p:nvSpPr>
+        <p:spPr>
+          <a:xfrm>
+            <a:off x="969208" y="5803466"/>
+            <a:ext cx="728058" cy="271291"/>
+          </a:xfrm>
+          <a:prstGeom prst="rect">
+            <a:avLst/>
+          </a:prstGeom>
+          <a:ln>
+            <a:prstDash val="sysDash"/>
+          </a:ln>
+        </p:spPr>
+        <p:style>
+          <a:lnRef idx="2">
+            <a:schemeClr val="dk1"/>
+          </a:lnRef>
+          <a:fillRef idx="1">
+            <a:schemeClr val="lt1"/>
+          </a:fillRef>
+          <a:effectRef idx="0">
+            <a:schemeClr val="dk1"/>
+          </a:effectRef>
+          <a:fontRef idx="minor">
+            <a:schemeClr val="dk1"/>
+          </a:fontRef>
+        </p:style>
+        <p:txBody>
+          <a:bodyPr rtlCol="0" anchor="ctr"/>
+          <a:lstStyle/>
+          <a:p>
+            <a:pPr algn="ctr"/>
+            <a:r>
+              <a:rPr lang="en-US" altLang="zh-CN" sz="1100" dirty="0"/>
+              <a:t>upload</a:t>
+            </a:r>
+            <a:endParaRPr lang="zh-CN" altLang="en-US" sz="1100" dirty="0"/>
+          </a:p>
+        </p:txBody>
+      </p:sp>
+      <p:sp>
+        <p:nvSpPr>
+          <p:cNvPr id="138" name="矩形 137">
+            <a:extLst>
+              <a:ext uri="{FF2B5EF4-FFF2-40B4-BE49-F238E27FC236}">
+                <a16:creationId xmlns:a16="http://schemas.microsoft.com/office/drawing/2014/main" id="{02F7CE8C-3E3A-4B12-A2EE-B1698726FBF9}"/>
+              </a:ext>
+            </a:extLst>
+          </p:cNvPr>
+          <p:cNvSpPr/>
+          <p:nvPr/>
+        </p:nvSpPr>
+        <p:spPr>
+          <a:xfrm>
+            <a:off x="985433" y="6187869"/>
+            <a:ext cx="728058" cy="271291"/>
+          </a:xfrm>
+          <a:prstGeom prst="rect">
+            <a:avLst/>
+          </a:prstGeom>
+          <a:ln>
+            <a:prstDash val="sysDash"/>
+          </a:ln>
+        </p:spPr>
+        <p:style>
+          <a:lnRef idx="2">
+            <a:schemeClr val="dk1"/>
+          </a:lnRef>
+          <a:fillRef idx="1">
+            <a:schemeClr val="lt1"/>
+          </a:fillRef>
+          <a:effectRef idx="0">
+            <a:schemeClr val="dk1"/>
+          </a:effectRef>
+          <a:fontRef idx="minor">
+            <a:schemeClr val="dk1"/>
+          </a:fontRef>
+        </p:style>
+        <p:txBody>
+          <a:bodyPr rtlCol="0" anchor="ctr"/>
+          <a:lstStyle/>
+          <a:p>
+            <a:pPr algn="ctr"/>
+            <a:r>
+              <a:rPr lang="en-US" altLang="zh-CN" sz="1100" dirty="0"/>
+              <a:t>log</a:t>
+            </a:r>
+            <a:endParaRPr lang="zh-CN" altLang="en-US" sz="1100" dirty="0"/>
+          </a:p>
+        </p:txBody>
+      </p:sp>
+      <p:sp>
+        <p:nvSpPr>
+          <p:cNvPr id="139" name="矩形 138">
+            <a:extLst>
+              <a:ext uri="{FF2B5EF4-FFF2-40B4-BE49-F238E27FC236}">
+                <a16:creationId xmlns:a16="http://schemas.microsoft.com/office/drawing/2014/main" id="{2A029EB1-02F6-44DD-BFCA-40C8BD0DFFF5}"/>
+              </a:ext>
+            </a:extLst>
+          </p:cNvPr>
+          <p:cNvSpPr/>
+          <p:nvPr/>
+        </p:nvSpPr>
+        <p:spPr>
+          <a:xfrm>
+            <a:off x="8292988" y="5407386"/>
+            <a:ext cx="728058" cy="1202502"/>
+          </a:xfrm>
+          <a:prstGeom prst="rect">
+            <a:avLst/>
+          </a:prstGeom>
+          <a:ln>
+            <a:prstDash val="sysDash"/>
+          </a:ln>
+        </p:spPr>
+        <p:style>
+          <a:lnRef idx="2">
+            <a:schemeClr val="dk1"/>
+          </a:lnRef>
+          <a:fillRef idx="1">
+            <a:schemeClr val="lt1"/>
+          </a:fillRef>
+          <a:effectRef idx="0">
+            <a:schemeClr val="dk1"/>
+          </a:effectRef>
+          <a:fontRef idx="minor">
+            <a:schemeClr val="dk1"/>
+          </a:fontRef>
+        </p:style>
+        <p:txBody>
+          <a:bodyPr rtlCol="0" anchor="ctr"/>
+          <a:lstStyle/>
+          <a:p>
+            <a:pPr algn="ctr"/>
+            <a:endParaRPr lang="en-US" altLang="zh-CN" sz="1100" dirty="0"/>
+          </a:p>
+          <a:p>
+            <a:pPr algn="ctr"/>
+            <a:r>
+              <a:rPr lang="en-US" altLang="zh-CN" sz="1100" dirty="0"/>
+              <a:t>Prometheus</a:t>
+            </a:r>
+            <a:endParaRPr lang="zh-CN" altLang="en-US" sz="1100" dirty="0"/>
+          </a:p>
+        </p:txBody>
+      </p:sp>
+      <p:sp>
+        <p:nvSpPr>
+          <p:cNvPr id="140" name="矩形 139">
+            <a:extLst>
+              <a:ext uri="{FF2B5EF4-FFF2-40B4-BE49-F238E27FC236}">
+                <a16:creationId xmlns:a16="http://schemas.microsoft.com/office/drawing/2014/main" id="{E1573478-13F1-4E02-9C5D-CF74E806305C}"/>
+              </a:ext>
+            </a:extLst>
+          </p:cNvPr>
+          <p:cNvSpPr/>
+          <p:nvPr/>
+        </p:nvSpPr>
+        <p:spPr>
+          <a:xfrm>
+            <a:off x="8933117" y="5488588"/>
+            <a:ext cx="728058" cy="271291"/>
+          </a:xfrm>
+          <a:prstGeom prst="rect">
+            <a:avLst/>
+          </a:prstGeom>
+          <a:ln>
+            <a:prstDash val="sysDash"/>
+          </a:ln>
+        </p:spPr>
+        <p:style>
+          <a:lnRef idx="2">
+            <a:schemeClr val="dk1"/>
+          </a:lnRef>
+          <a:fillRef idx="1">
+            <a:schemeClr val="lt1"/>
+          </a:fillRef>
+          <a:effectRef idx="0">
+            <a:schemeClr val="dk1"/>
+          </a:effectRef>
+          <a:fontRef idx="minor">
+            <a:schemeClr val="dk1"/>
+          </a:fontRef>
+        </p:style>
+        <p:txBody>
+          <a:bodyPr rtlCol="0" anchor="ctr"/>
+          <a:lstStyle/>
+          <a:p>
+            <a:pPr algn="ctr"/>
+            <a:r>
+              <a:rPr lang="en-US" altLang="zh-CN" sz="1100" dirty="0"/>
+              <a:t>conf</a:t>
+            </a:r>
+            <a:endParaRPr lang="zh-CN" altLang="en-US" sz="1100" dirty="0"/>
+          </a:p>
+        </p:txBody>
+      </p:sp>
+      <p:sp>
+        <p:nvSpPr>
+          <p:cNvPr id="141" name="矩形 140">
+            <a:extLst>
+              <a:ext uri="{FF2B5EF4-FFF2-40B4-BE49-F238E27FC236}">
+                <a16:creationId xmlns:a16="http://schemas.microsoft.com/office/drawing/2014/main" id="{5C4CFC1B-1625-4BAB-928C-66F0CF8AB553}"/>
+              </a:ext>
+            </a:extLst>
+          </p:cNvPr>
+          <p:cNvSpPr/>
+          <p:nvPr/>
+        </p:nvSpPr>
+        <p:spPr>
+          <a:xfrm>
+            <a:off x="8933117" y="5872991"/>
+            <a:ext cx="728058" cy="271291"/>
+          </a:xfrm>
+          <a:prstGeom prst="rect">
+            <a:avLst/>
+          </a:prstGeom>
+          <a:ln>
+            <a:prstDash val="sysDash"/>
+          </a:ln>
+        </p:spPr>
+        <p:style>
+          <a:lnRef idx="2">
+            <a:schemeClr val="dk1"/>
+          </a:lnRef>
+          <a:fillRef idx="1">
+            <a:schemeClr val="lt1"/>
+          </a:fillRef>
+          <a:effectRef idx="0">
+            <a:schemeClr val="dk1"/>
+          </a:effectRef>
+          <a:fontRef idx="minor">
+            <a:schemeClr val="dk1"/>
+          </a:fontRef>
+        </p:style>
+        <p:txBody>
+          <a:bodyPr rtlCol="0" anchor="ctr"/>
+          <a:lstStyle/>
+          <a:p>
+            <a:pPr algn="ctr"/>
+            <a:r>
+              <a:rPr lang="en-US" altLang="zh-CN" sz="1100" dirty="0"/>
+              <a:t>data</a:t>
+            </a:r>
+            <a:endParaRPr lang="zh-CN" altLang="en-US" sz="1100" dirty="0"/>
+          </a:p>
+        </p:txBody>
+      </p:sp>
+      <p:sp>
+        <p:nvSpPr>
+          <p:cNvPr id="142" name="矩形 141">
+            <a:extLst>
+              <a:ext uri="{FF2B5EF4-FFF2-40B4-BE49-F238E27FC236}">
+                <a16:creationId xmlns:a16="http://schemas.microsoft.com/office/drawing/2014/main" id="{78C9708D-E89C-4DCF-BB3D-D0FB398609C0}"/>
+              </a:ext>
+            </a:extLst>
+          </p:cNvPr>
+          <p:cNvSpPr/>
+          <p:nvPr/>
+        </p:nvSpPr>
+        <p:spPr>
+          <a:xfrm>
+            <a:off x="8949342" y="6257394"/>
+            <a:ext cx="728058" cy="271291"/>
+          </a:xfrm>
+          <a:prstGeom prst="rect">
+            <a:avLst/>
+          </a:prstGeom>
+          <a:ln>
+            <a:prstDash val="sysDash"/>
+          </a:ln>
+        </p:spPr>
+        <p:style>
+          <a:lnRef idx="2">
+            <a:schemeClr val="dk1"/>
+          </a:lnRef>
+          <a:fillRef idx="1">
+            <a:schemeClr val="lt1"/>
+          </a:fillRef>
+          <a:effectRef idx="0">
+            <a:schemeClr val="dk1"/>
+          </a:effectRef>
+          <a:fontRef idx="minor">
+            <a:schemeClr val="dk1"/>
+          </a:fontRef>
+        </p:style>
+        <p:txBody>
+          <a:bodyPr rtlCol="0" anchor="ctr"/>
+          <a:lstStyle/>
+          <a:p>
+            <a:pPr algn="ctr"/>
+            <a:r>
+              <a:rPr lang="en-US" altLang="zh-CN" sz="1100" dirty="0"/>
+              <a:t>log</a:t>
+            </a:r>
+            <a:endParaRPr lang="zh-CN" altLang="en-US" sz="1100" dirty="0"/>
+          </a:p>
+        </p:txBody>
+      </p:sp>
+      <p:sp>
+        <p:nvSpPr>
+          <p:cNvPr id="143" name="矩形 142">
+            <a:extLst>
+              <a:ext uri="{FF2B5EF4-FFF2-40B4-BE49-F238E27FC236}">
+                <a16:creationId xmlns:a16="http://schemas.microsoft.com/office/drawing/2014/main" id="{5F35C2B1-AAAD-4EC9-B389-9844E583B7CB}"/>
+              </a:ext>
+            </a:extLst>
+          </p:cNvPr>
+          <p:cNvSpPr/>
+          <p:nvPr/>
+        </p:nvSpPr>
+        <p:spPr>
+          <a:xfrm>
+            <a:off x="10185076" y="5407386"/>
+            <a:ext cx="728058" cy="1202502"/>
+          </a:xfrm>
+          <a:prstGeom prst="rect">
+            <a:avLst/>
+          </a:prstGeom>
+          <a:ln>
+            <a:prstDash val="sysDash"/>
+          </a:ln>
+        </p:spPr>
+        <p:style>
+          <a:lnRef idx="2">
+            <a:schemeClr val="dk1"/>
+          </a:lnRef>
+          <a:fillRef idx="1">
+            <a:schemeClr val="lt1"/>
+          </a:fillRef>
+          <a:effectRef idx="0">
+            <a:schemeClr val="dk1"/>
+          </a:effectRef>
+          <a:fontRef idx="minor">
+            <a:schemeClr val="dk1"/>
+          </a:fontRef>
+        </p:style>
+        <p:txBody>
+          <a:bodyPr rtlCol="0" anchor="ctr"/>
+          <a:lstStyle/>
+          <a:p>
+            <a:pPr algn="ctr"/>
+            <a:endParaRPr lang="en-US" altLang="zh-CN" sz="1100" dirty="0"/>
+          </a:p>
+          <a:p>
+            <a:pPr algn="ctr"/>
+            <a:r>
+              <a:rPr lang="en-US" altLang="zh-CN" sz="1100"/>
+              <a:t>Grafana</a:t>
+            </a:r>
+            <a:endParaRPr lang="zh-CN" altLang="en-US" sz="1100" dirty="0"/>
+          </a:p>
+        </p:txBody>
+      </p:sp>
+      <p:sp>
+        <p:nvSpPr>
+          <p:cNvPr id="144" name="矩形 143">
+            <a:extLst>
+              <a:ext uri="{FF2B5EF4-FFF2-40B4-BE49-F238E27FC236}">
+                <a16:creationId xmlns:a16="http://schemas.microsoft.com/office/drawing/2014/main" id="{9EFD323B-4AA8-4716-8483-EE5C5CB246B6}"/>
+              </a:ext>
+            </a:extLst>
+          </p:cNvPr>
+          <p:cNvSpPr/>
+          <p:nvPr/>
+        </p:nvSpPr>
+        <p:spPr>
+          <a:xfrm>
+            <a:off x="10825205" y="5488588"/>
+            <a:ext cx="728058" cy="271291"/>
+          </a:xfrm>
+          <a:prstGeom prst="rect">
+            <a:avLst/>
+          </a:prstGeom>
+          <a:ln>
+            <a:prstDash val="sysDash"/>
+          </a:ln>
+        </p:spPr>
+        <p:style>
+          <a:lnRef idx="2">
+            <a:schemeClr val="dk1"/>
+          </a:lnRef>
+          <a:fillRef idx="1">
+            <a:schemeClr val="lt1"/>
+          </a:fillRef>
+          <a:effectRef idx="0">
+            <a:schemeClr val="dk1"/>
+          </a:effectRef>
+          <a:fontRef idx="minor">
+            <a:schemeClr val="dk1"/>
+          </a:fontRef>
+        </p:style>
+        <p:txBody>
+          <a:bodyPr rtlCol="0" anchor="ctr"/>
+          <a:lstStyle/>
+          <a:p>
+            <a:pPr algn="ctr"/>
+            <a:r>
+              <a:rPr lang="en-US" altLang="zh-CN" sz="1100" dirty="0"/>
+              <a:t>conf</a:t>
+            </a:r>
+            <a:endParaRPr lang="zh-CN" altLang="en-US" sz="1100" dirty="0"/>
+          </a:p>
+        </p:txBody>
+      </p:sp>
+      <p:sp>
+        <p:nvSpPr>
+          <p:cNvPr id="145" name="矩形 144">
+            <a:extLst>
+              <a:ext uri="{FF2B5EF4-FFF2-40B4-BE49-F238E27FC236}">
+                <a16:creationId xmlns:a16="http://schemas.microsoft.com/office/drawing/2014/main" id="{7CABE51B-EBDB-4553-8CA0-009FDE07B09D}"/>
+              </a:ext>
+            </a:extLst>
+          </p:cNvPr>
+          <p:cNvSpPr/>
+          <p:nvPr/>
+        </p:nvSpPr>
+        <p:spPr>
+          <a:xfrm>
+            <a:off x="10825205" y="5872991"/>
+            <a:ext cx="728058" cy="271291"/>
+          </a:xfrm>
+          <a:prstGeom prst="rect">
+            <a:avLst/>
+          </a:prstGeom>
+          <a:ln>
+            <a:prstDash val="sysDash"/>
+          </a:ln>
+        </p:spPr>
+        <p:style>
+          <a:lnRef idx="2">
+            <a:schemeClr val="dk1"/>
+          </a:lnRef>
+          <a:fillRef idx="1">
+            <a:schemeClr val="lt1"/>
+          </a:fillRef>
+          <a:effectRef idx="0">
+            <a:schemeClr val="dk1"/>
+          </a:effectRef>
+          <a:fontRef idx="minor">
+            <a:schemeClr val="dk1"/>
+          </a:fontRef>
+        </p:style>
+        <p:txBody>
+          <a:bodyPr rtlCol="0" anchor="ctr"/>
+          <a:lstStyle/>
+          <a:p>
+            <a:pPr algn="ctr"/>
+            <a:r>
+              <a:rPr lang="en-US" altLang="zh-CN" sz="1100" dirty="0"/>
+              <a:t>data</a:t>
+            </a:r>
+            <a:endParaRPr lang="zh-CN" altLang="en-US" sz="1100" dirty="0"/>
+          </a:p>
+        </p:txBody>
+      </p:sp>
+      <p:sp>
+        <p:nvSpPr>
+          <p:cNvPr id="146" name="矩形 145">
+            <a:extLst>
+              <a:ext uri="{FF2B5EF4-FFF2-40B4-BE49-F238E27FC236}">
+                <a16:creationId xmlns:a16="http://schemas.microsoft.com/office/drawing/2014/main" id="{F8981AFF-A3E6-4984-A602-39007E3B403D}"/>
+              </a:ext>
+            </a:extLst>
+          </p:cNvPr>
+          <p:cNvSpPr/>
+          <p:nvPr/>
+        </p:nvSpPr>
+        <p:spPr>
+          <a:xfrm>
+            <a:off x="10841430" y="6257394"/>
+            <a:ext cx="728058" cy="271291"/>
+          </a:xfrm>
+          <a:prstGeom prst="rect">
+            <a:avLst/>
+          </a:prstGeom>
+          <a:ln>
+            <a:prstDash val="sysDash"/>
+          </a:ln>
+        </p:spPr>
+        <p:style>
+          <a:lnRef idx="2">
+            <a:schemeClr val="dk1"/>
+          </a:lnRef>
+          <a:fillRef idx="1">
+            <a:schemeClr val="lt1"/>
+          </a:fillRef>
+          <a:effectRef idx="0">
+            <a:schemeClr val="dk1"/>
+          </a:effectRef>
+          <a:fontRef idx="minor">
+            <a:schemeClr val="dk1"/>
+          </a:fontRef>
+        </p:style>
+        <p:txBody>
+          <a:bodyPr rtlCol="0" anchor="ctr"/>
+          <a:lstStyle/>
+          <a:p>
+            <a:pPr algn="ctr"/>
+            <a:r>
+              <a:rPr lang="en-US" altLang="zh-CN" sz="1100" dirty="0"/>
+              <a:t>log</a:t>
+            </a:r>
+            <a:endParaRPr lang="zh-CN" altLang="en-US" sz="1100" dirty="0"/>
+          </a:p>
+        </p:txBody>
+      </p:sp>
+    </p:spTree>
+    <p:extLst>
+      <p:ext uri="{BB962C8B-B14F-4D97-AF65-F5344CB8AC3E}">
+        <p14:creationId xmlns:p14="http://schemas.microsoft.com/office/powerpoint/2010/main" val="3028704000"/>
+      </p:ext>
+    </p:extLst>
+  </p:cSld>
+  <p:clrMapOvr>
+    <a:masterClrMapping/>
+  </p:clrMapOvr>
+</p:sld>
+</file>
+
 <file path=ppt/theme/theme1.xml><?xml version="1.0" encoding="utf-8"?>
 <a:theme xmlns:a="http://schemas.openxmlformats.org/drawingml/2006/main" name="Office 主题​​">
   <a:themeElements>

--- a/doc/docker-install.pptx
+++ b/doc/docker-install.pptx
@@ -260,7 +260,7 @@
           <a:p>
             <a:fld id="{AEFE9539-696D-45F5-88D0-010738406F6A}" type="datetimeFigureOut">
               <a:rPr lang="zh-CN" altLang="en-US" smtClean="0"/>
-              <a:t>2019/10/18</a:t>
+              <a:t>2019/10/22</a:t>
             </a:fld>
             <a:endParaRPr lang="zh-CN" altLang="en-US"/>
           </a:p>
@@ -458,7 +458,7 @@
           <a:p>
             <a:fld id="{AEFE9539-696D-45F5-88D0-010738406F6A}" type="datetimeFigureOut">
               <a:rPr lang="zh-CN" altLang="en-US" smtClean="0"/>
-              <a:t>2019/10/18</a:t>
+              <a:t>2019/10/22</a:t>
             </a:fld>
             <a:endParaRPr lang="zh-CN" altLang="en-US"/>
           </a:p>
@@ -666,7 +666,7 @@
           <a:p>
             <a:fld id="{AEFE9539-696D-45F5-88D0-010738406F6A}" type="datetimeFigureOut">
               <a:rPr lang="zh-CN" altLang="en-US" smtClean="0"/>
-              <a:t>2019/10/18</a:t>
+              <a:t>2019/10/22</a:t>
             </a:fld>
             <a:endParaRPr lang="zh-CN" altLang="en-US"/>
           </a:p>
@@ -864,7 +864,7 @@
           <a:p>
             <a:fld id="{AEFE9539-696D-45F5-88D0-010738406F6A}" type="datetimeFigureOut">
               <a:rPr lang="zh-CN" altLang="en-US" smtClean="0"/>
-              <a:t>2019/10/18</a:t>
+              <a:t>2019/10/22</a:t>
             </a:fld>
             <a:endParaRPr lang="zh-CN" altLang="en-US"/>
           </a:p>
@@ -1139,7 +1139,7 @@
           <a:p>
             <a:fld id="{AEFE9539-696D-45F5-88D0-010738406F6A}" type="datetimeFigureOut">
               <a:rPr lang="zh-CN" altLang="en-US" smtClean="0"/>
-              <a:t>2019/10/18</a:t>
+              <a:t>2019/10/22</a:t>
             </a:fld>
             <a:endParaRPr lang="zh-CN" altLang="en-US"/>
           </a:p>
@@ -1404,7 +1404,7 @@
           <a:p>
             <a:fld id="{AEFE9539-696D-45F5-88D0-010738406F6A}" type="datetimeFigureOut">
               <a:rPr lang="zh-CN" altLang="en-US" smtClean="0"/>
-              <a:t>2019/10/18</a:t>
+              <a:t>2019/10/22</a:t>
             </a:fld>
             <a:endParaRPr lang="zh-CN" altLang="en-US"/>
           </a:p>
@@ -1816,7 +1816,7 @@
           <a:p>
             <a:fld id="{AEFE9539-696D-45F5-88D0-010738406F6A}" type="datetimeFigureOut">
               <a:rPr lang="zh-CN" altLang="en-US" smtClean="0"/>
-              <a:t>2019/10/18</a:t>
+              <a:t>2019/10/22</a:t>
             </a:fld>
             <a:endParaRPr lang="zh-CN" altLang="en-US"/>
           </a:p>
@@ -1957,7 +1957,7 @@
           <a:p>
             <a:fld id="{AEFE9539-696D-45F5-88D0-010738406F6A}" type="datetimeFigureOut">
               <a:rPr lang="zh-CN" altLang="en-US" smtClean="0"/>
-              <a:t>2019/10/18</a:t>
+              <a:t>2019/10/22</a:t>
             </a:fld>
             <a:endParaRPr lang="zh-CN" altLang="en-US"/>
           </a:p>
@@ -2070,7 +2070,7 @@
           <a:p>
             <a:fld id="{AEFE9539-696D-45F5-88D0-010738406F6A}" type="datetimeFigureOut">
               <a:rPr lang="zh-CN" altLang="en-US" smtClean="0"/>
-              <a:t>2019/10/18</a:t>
+              <a:t>2019/10/22</a:t>
             </a:fld>
             <a:endParaRPr lang="zh-CN" altLang="en-US"/>
           </a:p>
@@ -2381,7 +2381,7 @@
           <a:p>
             <a:fld id="{AEFE9539-696D-45F5-88D0-010738406F6A}" type="datetimeFigureOut">
               <a:rPr lang="zh-CN" altLang="en-US" smtClean="0"/>
-              <a:t>2019/10/18</a:t>
+              <a:t>2019/10/22</a:t>
             </a:fld>
             <a:endParaRPr lang="zh-CN" altLang="en-US"/>
           </a:p>
@@ -2669,7 +2669,7 @@
           <a:p>
             <a:fld id="{AEFE9539-696D-45F5-88D0-010738406F6A}" type="datetimeFigureOut">
               <a:rPr lang="zh-CN" altLang="en-US" smtClean="0"/>
-              <a:t>2019/10/18</a:t>
+              <a:t>2019/10/22</a:t>
             </a:fld>
             <a:endParaRPr lang="zh-CN" altLang="en-US"/>
           </a:p>
@@ -2910,7 +2910,7 @@
           <a:p>
             <a:fld id="{AEFE9539-696D-45F5-88D0-010738406F6A}" type="datetimeFigureOut">
               <a:rPr lang="zh-CN" altLang="en-US" smtClean="0"/>
-              <a:t>2019/10/18</a:t>
+              <a:t>2019/10/22</a:t>
             </a:fld>
             <a:endParaRPr lang="zh-CN" altLang="en-US"/>
           </a:p>
@@ -6153,7 +6153,7 @@
         </p:nvSpPr>
         <p:spPr>
           <a:xfrm>
-            <a:off x="7906608" y="271440"/>
+            <a:off x="7906608" y="296840"/>
             <a:ext cx="1732692" cy="4445166"/>
           </a:xfrm>
           <a:prstGeom prst="rect">
@@ -6290,10 +6290,48 @@
           <a:p>
             <a:pPr algn="ctr"/>
             <a:r>
-              <a:rPr lang="en-US" altLang="zh-CN" dirty="0" err="1"/>
-              <a:t>nginx</a:t>
-            </a:r>
-            <a:endParaRPr lang="zh-CN" altLang="en-US" dirty="0"/>
+              <a:rPr lang="en-US" altLang="zh-CN" sz="1200" dirty="0" err="1">
+                <a:latin typeface="微软雅黑" panose="020B0503020204020204" pitchFamily="34" charset="-122"/>
+                <a:ea typeface="微软雅黑" panose="020B0503020204020204" pitchFamily="34" charset="-122"/>
+              </a:rPr>
+              <a:t>OpenResty</a:t>
+            </a:r>
+            <a:endParaRPr lang="en-US" altLang="zh-CN" sz="1200" dirty="0">
+              <a:latin typeface="微软雅黑" panose="020B0503020204020204" pitchFamily="34" charset="-122"/>
+              <a:ea typeface="微软雅黑" panose="020B0503020204020204" pitchFamily="34" charset="-122"/>
+            </a:endParaRPr>
+          </a:p>
+          <a:p>
+            <a:pPr algn="ctr"/>
+            <a:r>
+              <a:rPr lang="zh-CN" altLang="en-US" sz="900" dirty="0">
+                <a:latin typeface="微软雅黑" panose="020B0503020204020204" pitchFamily="34" charset="-122"/>
+                <a:ea typeface="微软雅黑" panose="020B0503020204020204" pitchFamily="34" charset="-122"/>
+              </a:rPr>
+              <a:t>基于</a:t>
+            </a:r>
+            <a:r>
+              <a:rPr lang="en-US" altLang="zh-CN" sz="900" dirty="0">
+                <a:latin typeface="微软雅黑" panose="020B0503020204020204" pitchFamily="34" charset="-122"/>
+                <a:ea typeface="微软雅黑" panose="020B0503020204020204" pitchFamily="34" charset="-122"/>
+              </a:rPr>
+              <a:t>Nginx</a:t>
+            </a:r>
+            <a:r>
+              <a:rPr lang="zh-CN" altLang="en-US" sz="900" dirty="0">
+                <a:latin typeface="微软雅黑" panose="020B0503020204020204" pitchFamily="34" charset="-122"/>
+                <a:ea typeface="微软雅黑" panose="020B0503020204020204" pitchFamily="34" charset="-122"/>
+              </a:rPr>
+              <a:t>的网络防火墙</a:t>
+            </a:r>
+            <a:endParaRPr lang="en-US" altLang="zh-CN" sz="900" dirty="0">
+              <a:latin typeface="微软雅黑" panose="020B0503020204020204" pitchFamily="34" charset="-122"/>
+              <a:ea typeface="微软雅黑" panose="020B0503020204020204" pitchFamily="34" charset="-122"/>
+            </a:endParaRPr>
+          </a:p>
+          <a:p>
+            <a:pPr algn="ctr"/>
+            <a:endParaRPr lang="zh-CN" altLang="en-US" sz="1200" dirty="0"/>
           </a:p>
         </p:txBody>
       </p:sp>
@@ -6515,7 +6553,14 @@
               <a:rPr lang="en-US" altLang="zh-CN" dirty="0" err="1"/>
               <a:t>Mysql</a:t>
             </a:r>
-            <a:endParaRPr lang="zh-CN" altLang="en-US" dirty="0"/>
+            <a:endParaRPr lang="en-US" altLang="zh-CN" dirty="0"/>
+          </a:p>
+          <a:p>
+            <a:pPr algn="ctr"/>
+            <a:r>
+              <a:rPr lang="zh-CN" altLang="en-US" sz="1200" dirty="0"/>
+              <a:t>集群</a:t>
+            </a:r>
           </a:p>
         </p:txBody>
       </p:sp>
@@ -6563,7 +6608,13 @@
               <a:rPr lang="en-US" altLang="zh-CN" dirty="0"/>
               <a:t>Redis</a:t>
             </a:r>
-            <a:endParaRPr lang="zh-CN" altLang="en-US" dirty="0"/>
+          </a:p>
+          <a:p>
+            <a:pPr algn="ctr"/>
+            <a:r>
+              <a:rPr lang="zh-CN" altLang="en-US" sz="1200" dirty="0"/>
+              <a:t>集群</a:t>
+            </a:r>
           </a:p>
         </p:txBody>
       </p:sp>
@@ -6611,7 +6662,10 @@
               <a:rPr lang="en-US" altLang="zh-CN" dirty="0"/>
               <a:t>RabbitMQ</a:t>
             </a:r>
-            <a:endParaRPr lang="zh-CN" altLang="en-US" dirty="0"/>
+            <a:r>
+              <a:rPr lang="zh-CN" altLang="en-US" sz="1200" dirty="0"/>
+              <a:t>集群</a:t>
+            </a:r>
           </a:p>
         </p:txBody>
       </p:sp>
@@ -6629,7 +6683,7 @@
         </p:nvSpPr>
         <p:spPr>
           <a:xfrm>
-            <a:off x="6462391" y="4333001"/>
+            <a:off x="6462391" y="4415563"/>
             <a:ext cx="966538" cy="216568"/>
           </a:xfrm>
           <a:prstGeom prst="roundRect">
@@ -7026,8 +7080,8 @@
         </p:nvSpPr>
         <p:spPr>
           <a:xfrm>
-            <a:off x="2015947" y="1563568"/>
-            <a:ext cx="968535" cy="261610"/>
+            <a:off x="2306732" y="1707693"/>
+            <a:ext cx="346570" cy="261610"/>
           </a:xfrm>
           <a:prstGeom prst="rect">
             <a:avLst/>
@@ -7041,7 +7095,7 @@
           <a:lstStyle/>
           <a:p>
             <a:r>
-              <a:rPr lang="en-US" altLang="zh-CN" sz="1100" dirty="0">
+              <a:rPr lang="en-US" altLang="zh-CN" sz="1100" dirty="0" err="1">
                 <a:solidFill>
                   <a:schemeClr val="tx1">
                     <a:lumMod val="50000"/>
@@ -7049,7 +7103,7 @@
                   </a:schemeClr>
                 </a:solidFill>
               </a:rPr>
-              <a:t>www.wx.com</a:t>
+              <a:t>wx</a:t>
             </a:r>
             <a:endParaRPr lang="zh-CN" altLang="en-US" sz="1100" dirty="0">
               <a:solidFill>
@@ -7162,8 +7216,8 @@
         </p:nvSpPr>
         <p:spPr>
           <a:xfrm>
-            <a:off x="1995975" y="2376542"/>
-            <a:ext cx="979755" cy="261610"/>
+            <a:off x="2308266" y="2343657"/>
+            <a:ext cx="325730" cy="261610"/>
           </a:xfrm>
           <a:prstGeom prst="rect">
             <a:avLst/>
@@ -7177,7 +7231,7 @@
           <a:lstStyle/>
           <a:p>
             <a:r>
-              <a:rPr lang="en-US" altLang="zh-CN" sz="1100" dirty="0">
+              <a:rPr lang="en-US" altLang="zh-CN" sz="1100" dirty="0" err="1">
                 <a:solidFill>
                   <a:schemeClr val="tx1">
                     <a:lumMod val="50000"/>
@@ -7185,7 +7239,7 @@
                   </a:schemeClr>
                 </a:solidFill>
               </a:rPr>
-              <a:t>www.hz.com</a:t>
+              <a:t>hz</a:t>
             </a:r>
             <a:endParaRPr lang="zh-CN" altLang="en-US" sz="1100" dirty="0">
               <a:solidFill>
@@ -7212,8 +7266,8 @@
         </p:nvSpPr>
         <p:spPr>
           <a:xfrm>
-            <a:off x="1979145" y="3222739"/>
-            <a:ext cx="915635" cy="261610"/>
+            <a:off x="2300605" y="3312478"/>
+            <a:ext cx="293670" cy="261610"/>
           </a:xfrm>
           <a:prstGeom prst="rect">
             <a:avLst/>
@@ -7227,7 +7281,7 @@
           <a:lstStyle/>
           <a:p>
             <a:r>
-              <a:rPr lang="en-US" altLang="zh-CN" sz="1100" dirty="0">
+              <a:rPr lang="en-US" altLang="zh-CN" sz="1100" dirty="0" err="1">
                 <a:solidFill>
                   <a:schemeClr val="tx1">
                     <a:lumMod val="50000"/>
@@ -7235,7 +7289,7 @@
                   </a:schemeClr>
                 </a:solidFill>
               </a:rPr>
-              <a:t>www.tc.com</a:t>
+              <a:t>tc</a:t>
             </a:r>
             <a:endParaRPr lang="zh-CN" altLang="en-US" sz="1100" dirty="0">
               <a:solidFill>
@@ -9358,8 +9412,8 @@
         </p:nvSpPr>
         <p:spPr>
           <a:xfrm>
-            <a:off x="8018406" y="938991"/>
-            <a:ext cx="1506594" cy="298989"/>
+            <a:off x="10375284" y="4454751"/>
+            <a:ext cx="1258100" cy="298989"/>
           </a:xfrm>
           <a:prstGeom prst="roundRect">
             <a:avLst/>
@@ -9412,7 +9466,7 @@
         </p:nvSpPr>
         <p:spPr>
           <a:xfrm>
-            <a:off x="8036812" y="1397902"/>
+            <a:off x="7514452" y="665786"/>
             <a:ext cx="1506594" cy="298989"/>
           </a:xfrm>
           <a:prstGeom prst="roundRect">
@@ -9584,7 +9638,7 @@
         </p:nvSpPr>
         <p:spPr>
           <a:xfrm>
-            <a:off x="8036812" y="1837308"/>
+            <a:off x="7500758" y="3892058"/>
             <a:ext cx="1506594" cy="298989"/>
           </a:xfrm>
           <a:prstGeom prst="roundRect">
@@ -9679,7 +9733,7 @@
             </a:r>
             <a:r>
               <a:rPr lang="en-US" altLang="zh-CN" sz="1000" dirty="0" err="1"/>
-              <a:t>vts</a:t>
+              <a:t>lua</a:t>
             </a:r>
             <a:r>
               <a:rPr lang="en-US" altLang="zh-CN" sz="1000" dirty="0"/>
@@ -9702,7 +9756,7 @@
         </p:nvSpPr>
         <p:spPr>
           <a:xfrm>
-            <a:off x="8050753" y="2316621"/>
+            <a:off x="7483460" y="2437083"/>
             <a:ext cx="1506594" cy="298989"/>
           </a:xfrm>
           <a:prstGeom prst="roundRect">
@@ -10411,6 +10465,206 @@
               <a:t>log</a:t>
             </a:r>
             <a:endParaRPr lang="zh-CN" altLang="en-US" sz="1100" dirty="0"/>
+          </a:p>
+        </p:txBody>
+      </p:sp>
+      <p:sp>
+        <p:nvSpPr>
+          <p:cNvPr id="92" name="矩形: 圆角 91">
+            <a:extLst>
+              <a:ext uri="{FF2B5EF4-FFF2-40B4-BE49-F238E27FC236}">
+                <a16:creationId xmlns:a16="http://schemas.microsoft.com/office/drawing/2014/main" id="{1BB58BA5-D49A-440D-8ED9-4A03889838DC}"/>
+              </a:ext>
+            </a:extLst>
+          </p:cNvPr>
+          <p:cNvSpPr/>
+          <p:nvPr/>
+        </p:nvSpPr>
+        <p:spPr>
+          <a:xfrm>
+            <a:off x="4373568" y="2579459"/>
+            <a:ext cx="856793" cy="298989"/>
+          </a:xfrm>
+          <a:prstGeom prst="roundRect">
+            <a:avLst/>
+          </a:prstGeom>
+          <a:solidFill>
+            <a:schemeClr val="accent6">
+              <a:lumMod val="20000"/>
+              <a:lumOff val="80000"/>
+            </a:schemeClr>
+          </a:solidFill>
+        </p:spPr>
+        <p:style>
+          <a:lnRef idx="2">
+            <a:schemeClr val="dk1"/>
+          </a:lnRef>
+          <a:fillRef idx="1">
+            <a:schemeClr val="lt1"/>
+          </a:fillRef>
+          <a:effectRef idx="0">
+            <a:schemeClr val="dk1"/>
+          </a:effectRef>
+          <a:fontRef idx="minor">
+            <a:schemeClr val="dk1"/>
+          </a:fontRef>
+        </p:style>
+        <p:txBody>
+          <a:bodyPr rtlCol="0" anchor="ctr"/>
+          <a:lstStyle/>
+          <a:p>
+            <a:pPr algn="ctr"/>
+            <a:r>
+              <a:rPr lang="en-US" altLang="zh-CN" sz="800" dirty="0"/>
+              <a:t>My Exporter</a:t>
+            </a:r>
+          </a:p>
+        </p:txBody>
+      </p:sp>
+      <p:sp>
+        <p:nvSpPr>
+          <p:cNvPr id="101" name="矩形: 圆角 100">
+            <a:extLst>
+              <a:ext uri="{FF2B5EF4-FFF2-40B4-BE49-F238E27FC236}">
+                <a16:creationId xmlns:a16="http://schemas.microsoft.com/office/drawing/2014/main" id="{867E5165-71DA-4D0B-A715-A50D60C6945C}"/>
+              </a:ext>
+            </a:extLst>
+          </p:cNvPr>
+          <p:cNvSpPr/>
+          <p:nvPr/>
+        </p:nvSpPr>
+        <p:spPr>
+          <a:xfrm>
+            <a:off x="4348808" y="4034012"/>
+            <a:ext cx="856793" cy="298989"/>
+          </a:xfrm>
+          <a:prstGeom prst="roundRect">
+            <a:avLst/>
+          </a:prstGeom>
+          <a:solidFill>
+            <a:schemeClr val="accent6">
+              <a:lumMod val="20000"/>
+              <a:lumOff val="80000"/>
+            </a:schemeClr>
+          </a:solidFill>
+        </p:spPr>
+        <p:style>
+          <a:lnRef idx="2">
+            <a:schemeClr val="dk1"/>
+          </a:lnRef>
+          <a:fillRef idx="1">
+            <a:schemeClr val="lt1"/>
+          </a:fillRef>
+          <a:effectRef idx="0">
+            <a:schemeClr val="dk1"/>
+          </a:effectRef>
+          <a:fontRef idx="minor">
+            <a:schemeClr val="dk1"/>
+          </a:fontRef>
+        </p:style>
+        <p:txBody>
+          <a:bodyPr rtlCol="0" anchor="ctr"/>
+          <a:lstStyle/>
+          <a:p>
+            <a:pPr algn="ctr"/>
+            <a:r>
+              <a:rPr lang="en-US" altLang="zh-CN" sz="800" dirty="0"/>
+              <a:t>My Exporter</a:t>
+            </a:r>
+          </a:p>
+        </p:txBody>
+      </p:sp>
+      <p:sp>
+        <p:nvSpPr>
+          <p:cNvPr id="102" name="矩形: 圆角 101">
+            <a:extLst>
+              <a:ext uri="{FF2B5EF4-FFF2-40B4-BE49-F238E27FC236}">
+                <a16:creationId xmlns:a16="http://schemas.microsoft.com/office/drawing/2014/main" id="{8DA38D98-574E-4850-9EAE-C2FFB29F9B3E}"/>
+              </a:ext>
+            </a:extLst>
+          </p:cNvPr>
+          <p:cNvSpPr/>
+          <p:nvPr/>
+        </p:nvSpPr>
+        <p:spPr>
+          <a:xfrm>
+            <a:off x="2009703" y="46910"/>
+            <a:ext cx="129277" cy="230141"/>
+          </a:xfrm>
+          <a:prstGeom prst="roundRect">
+            <a:avLst/>
+          </a:prstGeom>
+          <a:solidFill>
+            <a:schemeClr val="accent6">
+              <a:lumMod val="20000"/>
+              <a:lumOff val="80000"/>
+            </a:schemeClr>
+          </a:solidFill>
+          <a:ln>
+            <a:solidFill>
+              <a:schemeClr val="bg1"/>
+            </a:solidFill>
+          </a:ln>
+        </p:spPr>
+        <p:style>
+          <a:lnRef idx="2">
+            <a:schemeClr val="dk1"/>
+          </a:lnRef>
+          <a:fillRef idx="1">
+            <a:schemeClr val="lt1"/>
+          </a:fillRef>
+          <a:effectRef idx="0">
+            <a:schemeClr val="dk1"/>
+          </a:effectRef>
+          <a:fontRef idx="minor">
+            <a:schemeClr val="dk1"/>
+          </a:fontRef>
+        </p:style>
+        <p:txBody>
+          <a:bodyPr rtlCol="0" anchor="ctr"/>
+          <a:lstStyle/>
+          <a:p>
+            <a:pPr algn="ctr"/>
+            <a:endParaRPr lang="en-US" altLang="zh-CN" sz="1000" dirty="0"/>
+          </a:p>
+        </p:txBody>
+      </p:sp>
+      <p:sp>
+        <p:nvSpPr>
+          <p:cNvPr id="9" name="文本框 8">
+            <a:extLst>
+              <a:ext uri="{FF2B5EF4-FFF2-40B4-BE49-F238E27FC236}">
+                <a16:creationId xmlns:a16="http://schemas.microsoft.com/office/drawing/2014/main" id="{B402DDEB-CFCD-436F-ADFD-FB6571B29F8A}"/>
+              </a:ext>
+            </a:extLst>
+          </p:cNvPr>
+          <p:cNvSpPr txBox="1"/>
+          <p:nvPr/>
+        </p:nvSpPr>
+        <p:spPr>
+          <a:xfrm>
+            <a:off x="2074341" y="50619"/>
+            <a:ext cx="726481" cy="246221"/>
+          </a:xfrm>
+          <a:prstGeom prst="rect">
+            <a:avLst/>
+          </a:prstGeom>
+          <a:noFill/>
+        </p:spPr>
+        <p:txBody>
+          <a:bodyPr wrap="none" rtlCol="0">
+            <a:spAutoFit/>
+          </a:bodyPr>
+          <a:lstStyle/>
+          <a:p>
+            <a:r>
+              <a:rPr lang="en-US" altLang="zh-CN" sz="1000" dirty="0"/>
+              <a:t>:</a:t>
+            </a:r>
+            <a:r>
+              <a:rPr lang="zh-CN" altLang="en-US" sz="1000" dirty="0"/>
+              <a:t>监控探针</a:t>
+            </a:r>
           </a:p>
         </p:txBody>
       </p:sp>

--- a/doc/docker-install.pptx
+++ b/doc/docker-install.pptx
@@ -260,7 +260,7 @@
           <a:p>
             <a:fld id="{AEFE9539-696D-45F5-88D0-010738406F6A}" type="datetimeFigureOut">
               <a:rPr lang="zh-CN" altLang="en-US" smtClean="0"/>
-              <a:t>2019/10/22</a:t>
+              <a:t>2019/10/23</a:t>
             </a:fld>
             <a:endParaRPr lang="zh-CN" altLang="en-US"/>
           </a:p>
@@ -458,7 +458,7 @@
           <a:p>
             <a:fld id="{AEFE9539-696D-45F5-88D0-010738406F6A}" type="datetimeFigureOut">
               <a:rPr lang="zh-CN" altLang="en-US" smtClean="0"/>
-              <a:t>2019/10/22</a:t>
+              <a:t>2019/10/23</a:t>
             </a:fld>
             <a:endParaRPr lang="zh-CN" altLang="en-US"/>
           </a:p>
@@ -666,7 +666,7 @@
           <a:p>
             <a:fld id="{AEFE9539-696D-45F5-88D0-010738406F6A}" type="datetimeFigureOut">
               <a:rPr lang="zh-CN" altLang="en-US" smtClean="0"/>
-              <a:t>2019/10/22</a:t>
+              <a:t>2019/10/23</a:t>
             </a:fld>
             <a:endParaRPr lang="zh-CN" altLang="en-US"/>
           </a:p>
@@ -864,7 +864,7 @@
           <a:p>
             <a:fld id="{AEFE9539-696D-45F5-88D0-010738406F6A}" type="datetimeFigureOut">
               <a:rPr lang="zh-CN" altLang="en-US" smtClean="0"/>
-              <a:t>2019/10/22</a:t>
+              <a:t>2019/10/23</a:t>
             </a:fld>
             <a:endParaRPr lang="zh-CN" altLang="en-US"/>
           </a:p>
@@ -1139,7 +1139,7 @@
           <a:p>
             <a:fld id="{AEFE9539-696D-45F5-88D0-010738406F6A}" type="datetimeFigureOut">
               <a:rPr lang="zh-CN" altLang="en-US" smtClean="0"/>
-              <a:t>2019/10/22</a:t>
+              <a:t>2019/10/23</a:t>
             </a:fld>
             <a:endParaRPr lang="zh-CN" altLang="en-US"/>
           </a:p>
@@ -1404,7 +1404,7 @@
           <a:p>
             <a:fld id="{AEFE9539-696D-45F5-88D0-010738406F6A}" type="datetimeFigureOut">
               <a:rPr lang="zh-CN" altLang="en-US" smtClean="0"/>
-              <a:t>2019/10/22</a:t>
+              <a:t>2019/10/23</a:t>
             </a:fld>
             <a:endParaRPr lang="zh-CN" altLang="en-US"/>
           </a:p>
@@ -1816,7 +1816,7 @@
           <a:p>
             <a:fld id="{AEFE9539-696D-45F5-88D0-010738406F6A}" type="datetimeFigureOut">
               <a:rPr lang="zh-CN" altLang="en-US" smtClean="0"/>
-              <a:t>2019/10/22</a:t>
+              <a:t>2019/10/23</a:t>
             </a:fld>
             <a:endParaRPr lang="zh-CN" altLang="en-US"/>
           </a:p>
@@ -1957,7 +1957,7 @@
           <a:p>
             <a:fld id="{AEFE9539-696D-45F5-88D0-010738406F6A}" type="datetimeFigureOut">
               <a:rPr lang="zh-CN" altLang="en-US" smtClean="0"/>
-              <a:t>2019/10/22</a:t>
+              <a:t>2019/10/23</a:t>
             </a:fld>
             <a:endParaRPr lang="zh-CN" altLang="en-US"/>
           </a:p>
@@ -2070,7 +2070,7 @@
           <a:p>
             <a:fld id="{AEFE9539-696D-45F5-88D0-010738406F6A}" type="datetimeFigureOut">
               <a:rPr lang="zh-CN" altLang="en-US" smtClean="0"/>
-              <a:t>2019/10/22</a:t>
+              <a:t>2019/10/23</a:t>
             </a:fld>
             <a:endParaRPr lang="zh-CN" altLang="en-US"/>
           </a:p>
@@ -2381,7 +2381,7 @@
           <a:p>
             <a:fld id="{AEFE9539-696D-45F5-88D0-010738406F6A}" type="datetimeFigureOut">
               <a:rPr lang="zh-CN" altLang="en-US" smtClean="0"/>
-              <a:t>2019/10/22</a:t>
+              <a:t>2019/10/23</a:t>
             </a:fld>
             <a:endParaRPr lang="zh-CN" altLang="en-US"/>
           </a:p>
@@ -2669,7 +2669,7 @@
           <a:p>
             <a:fld id="{AEFE9539-696D-45F5-88D0-010738406F6A}" type="datetimeFigureOut">
               <a:rPr lang="zh-CN" altLang="en-US" smtClean="0"/>
-              <a:t>2019/10/22</a:t>
+              <a:t>2019/10/23</a:t>
             </a:fld>
             <a:endParaRPr lang="zh-CN" altLang="en-US"/>
           </a:p>
@@ -2910,7 +2910,7 @@
           <a:p>
             <a:fld id="{AEFE9539-696D-45F5-88D0-010738406F6A}" type="datetimeFigureOut">
               <a:rPr lang="zh-CN" altLang="en-US" smtClean="0"/>
-              <a:t>2019/10/22</a:t>
+              <a:t>2019/10/23</a:t>
             </a:fld>
             <a:endParaRPr lang="zh-CN" altLang="en-US"/>
           </a:p>
@@ -6290,6 +6290,27 @@
           <a:p>
             <a:pPr algn="ctr"/>
             <a:r>
+              <a:rPr lang="zh-CN" altLang="en-US" dirty="0">
+                <a:latin typeface="微软雅黑" panose="020B0503020204020204" pitchFamily="34" charset="-122"/>
+                <a:ea typeface="微软雅黑" panose="020B0503020204020204" pitchFamily="34" charset="-122"/>
+              </a:rPr>
+              <a:t>物联网接口</a:t>
+            </a:r>
+            <a:endParaRPr lang="en-US" altLang="zh-CN" dirty="0">
+              <a:latin typeface="微软雅黑" panose="020B0503020204020204" pitchFamily="34" charset="-122"/>
+              <a:ea typeface="微软雅黑" panose="020B0503020204020204" pitchFamily="34" charset="-122"/>
+            </a:endParaRPr>
+          </a:p>
+          <a:p>
+            <a:pPr algn="ctr"/>
+            <a:endParaRPr lang="en-US" altLang="zh-CN" sz="1200" dirty="0">
+              <a:latin typeface="微软雅黑" panose="020B0503020204020204" pitchFamily="34" charset="-122"/>
+              <a:ea typeface="微软雅黑" panose="020B0503020204020204" pitchFamily="34" charset="-122"/>
+            </a:endParaRPr>
+          </a:p>
+          <a:p>
+            <a:pPr algn="ctr"/>
+            <a:r>
               <a:rPr lang="en-US" altLang="zh-CN" sz="1200" dirty="0" err="1">
                 <a:latin typeface="微软雅黑" panose="020B0503020204020204" pitchFamily="34" charset="-122"/>
                 <a:ea typeface="微软雅黑" panose="020B0503020204020204" pitchFamily="34" charset="-122"/>
